--- a/01-promise-2021/聊聊 Promise-手写完整的 Promise.pptx
+++ b/01-promise-2021/聊聊 Promise-手写完整的 Promise.pptx
@@ -9,8 +9,10 @@
     <p:sldId id="257" r:id="rId3"/>
     <p:sldId id="258" r:id="rId4"/>
     <p:sldId id="259" r:id="rId5"/>
-    <p:sldId id="260" r:id="rId6"/>
-    <p:sldId id="261" r:id="rId7"/>
+    <p:sldId id="261" r:id="rId6"/>
+    <p:sldId id="262" r:id="rId7"/>
+    <p:sldId id="263" r:id="rId8"/>
+    <p:sldId id="264" r:id="rId9"/>
   </p:sldIdLst>
   <p:sldSz cx="12192000" cy="6858000"/>
   <p:notesSz cx="6858000" cy="9144000"/>
@@ -248,7 +250,7 @@
           <a:p>
             <a:fld id="{3A13D00A-BB1C-5B48-8BC1-17212834ED99}" type="datetimeFigureOut">
               <a:rPr lang="en-CN" smtClean="0"/>
-              <a:t>10/13/21</a:t>
+              <a:t>10/19/21</a:t>
             </a:fld>
             <a:endParaRPr lang="en-CN"/>
           </a:p>
@@ -418,7 +420,7 @@
           <a:p>
             <a:fld id="{3A13D00A-BB1C-5B48-8BC1-17212834ED99}" type="datetimeFigureOut">
               <a:rPr lang="en-CN" smtClean="0"/>
-              <a:t>10/13/21</a:t>
+              <a:t>10/19/21</a:t>
             </a:fld>
             <a:endParaRPr lang="en-CN"/>
           </a:p>
@@ -598,7 +600,7 @@
           <a:p>
             <a:fld id="{3A13D00A-BB1C-5B48-8BC1-17212834ED99}" type="datetimeFigureOut">
               <a:rPr lang="en-CN" smtClean="0"/>
-              <a:t>10/13/21</a:t>
+              <a:t>10/19/21</a:t>
             </a:fld>
             <a:endParaRPr lang="en-CN"/>
           </a:p>
@@ -768,7 +770,7 @@
           <a:p>
             <a:fld id="{3A13D00A-BB1C-5B48-8BC1-17212834ED99}" type="datetimeFigureOut">
               <a:rPr lang="en-CN" smtClean="0"/>
-              <a:t>10/13/21</a:t>
+              <a:t>10/19/21</a:t>
             </a:fld>
             <a:endParaRPr lang="en-CN"/>
           </a:p>
@@ -1014,7 +1016,7 @@
           <a:p>
             <a:fld id="{3A13D00A-BB1C-5B48-8BC1-17212834ED99}" type="datetimeFigureOut">
               <a:rPr lang="en-CN" smtClean="0"/>
-              <a:t>10/13/21</a:t>
+              <a:t>10/19/21</a:t>
             </a:fld>
             <a:endParaRPr lang="en-CN"/>
           </a:p>
@@ -1246,7 +1248,7 @@
           <a:p>
             <a:fld id="{3A13D00A-BB1C-5B48-8BC1-17212834ED99}" type="datetimeFigureOut">
               <a:rPr lang="en-CN" smtClean="0"/>
-              <a:t>10/13/21</a:t>
+              <a:t>10/19/21</a:t>
             </a:fld>
             <a:endParaRPr lang="en-CN"/>
           </a:p>
@@ -1613,7 +1615,7 @@
           <a:p>
             <a:fld id="{3A13D00A-BB1C-5B48-8BC1-17212834ED99}" type="datetimeFigureOut">
               <a:rPr lang="en-CN" smtClean="0"/>
-              <a:t>10/13/21</a:t>
+              <a:t>10/19/21</a:t>
             </a:fld>
             <a:endParaRPr lang="en-CN"/>
           </a:p>
@@ -1731,7 +1733,7 @@
           <a:p>
             <a:fld id="{3A13D00A-BB1C-5B48-8BC1-17212834ED99}" type="datetimeFigureOut">
               <a:rPr lang="en-CN" smtClean="0"/>
-              <a:t>10/13/21</a:t>
+              <a:t>10/19/21</a:t>
             </a:fld>
             <a:endParaRPr lang="en-CN"/>
           </a:p>
@@ -1826,7 +1828,7 @@
           <a:p>
             <a:fld id="{3A13D00A-BB1C-5B48-8BC1-17212834ED99}" type="datetimeFigureOut">
               <a:rPr lang="en-CN" smtClean="0"/>
-              <a:t>10/13/21</a:t>
+              <a:t>10/19/21</a:t>
             </a:fld>
             <a:endParaRPr lang="en-CN"/>
           </a:p>
@@ -2103,7 +2105,7 @@
           <a:p>
             <a:fld id="{3A13D00A-BB1C-5B48-8BC1-17212834ED99}" type="datetimeFigureOut">
               <a:rPr lang="en-CN" smtClean="0"/>
-              <a:t>10/13/21</a:t>
+              <a:t>10/19/21</a:t>
             </a:fld>
             <a:endParaRPr lang="en-CN"/>
           </a:p>
@@ -2360,7 +2362,7 @@
           <a:p>
             <a:fld id="{3A13D00A-BB1C-5B48-8BC1-17212834ED99}" type="datetimeFigureOut">
               <a:rPr lang="en-CN" smtClean="0"/>
-              <a:t>10/13/21</a:t>
+              <a:t>10/19/21</a:t>
             </a:fld>
             <a:endParaRPr lang="en-CN"/>
           </a:p>
@@ -2573,7 +2575,7 @@
           <a:p>
             <a:fld id="{3A13D00A-BB1C-5B48-8BC1-17212834ED99}" type="datetimeFigureOut">
               <a:rPr lang="en-CN" smtClean="0"/>
-              <a:t>10/13/21</a:t>
+              <a:t>10/19/21</a:t>
             </a:fld>
             <a:endParaRPr lang="en-CN"/>
           </a:p>
@@ -3495,8 +3497,8 @@
         </p:nvSpPr>
         <p:spPr>
           <a:xfrm>
-            <a:off x="5923394" y="3793531"/>
-            <a:ext cx="4965317" cy="523220"/>
+            <a:off x="3787063" y="3550426"/>
+            <a:ext cx="8618477" cy="523220"/>
           </a:xfrm>
           <a:prstGeom prst="rect">
             <a:avLst/>
@@ -3525,7 +3527,14 @@
               </a:rPr>
               <a:t>Promise</a:t>
             </a:r>
-            <a:endParaRPr kumimoji="1" lang="zh-CN" altLang="en-US" sz="2800" dirty="0"/>
+            <a:r>
+              <a:rPr lang="zh-CN" altLang="en-US" sz="2800" b="1" dirty="0">
+                <a:solidFill>
+                  <a:schemeClr val="bg1"/>
+                </a:solidFill>
+              </a:rPr>
+              <a:t>（如丝般顺滑一气呵成）</a:t>
+            </a:r>
           </a:p>
         </p:txBody>
       </p:sp>
@@ -3845,7 +3854,7 @@
         </p:nvSpPr>
         <p:spPr>
           <a:xfrm>
-            <a:off x="527148" y="94323"/>
+            <a:off x="527148" y="122151"/>
             <a:ext cx="6671093" cy="523220"/>
           </a:xfrm>
         </p:spPr>
@@ -3857,22 +3866,22 @@
           <a:p>
             <a:pPr algn="l"/>
             <a:r>
+              <a:rPr lang="zh-CN" altLang="en-US" sz="3600" b="1" dirty="0">
+                <a:solidFill>
+                  <a:schemeClr val="bg1"/>
+                </a:solidFill>
+                <a:latin typeface="+mn-lt"/>
+              </a:rPr>
+              <a:t>聊聊 </a:t>
+            </a:r>
+            <a:r>
               <a:rPr lang="en-US" altLang="zh-CN" sz="3600" b="1" dirty="0">
                 <a:solidFill>
                   <a:schemeClr val="bg1"/>
                 </a:solidFill>
                 <a:latin typeface="+mn-lt"/>
               </a:rPr>
-              <a:t>1.</a:t>
-            </a:r>
-            <a:r>
-              <a:rPr lang="zh-CN" altLang="en-US" sz="3600" b="1" dirty="0">
-                <a:solidFill>
-                  <a:schemeClr val="bg1"/>
-                </a:solidFill>
-                <a:latin typeface="+mn-lt"/>
-              </a:rPr>
-              <a:t> 模板引擎是什么？</a:t>
+              <a:t>Promise</a:t>
             </a:r>
             <a:endParaRPr lang="en-CN" sz="3600" b="1" dirty="0">
               <a:solidFill>
@@ -3940,70 +3949,6 @@
       </p:cxnSp>
       <p:sp>
         <p:nvSpPr>
-          <p:cNvPr id="5" name="文本框 4">
-            <a:extLst>
-              <a:ext uri="{FF2B5EF4-FFF2-40B4-BE49-F238E27FC236}">
-                <a16:creationId xmlns:a16="http://schemas.microsoft.com/office/drawing/2014/main" id="{5E074655-E206-5E46-A8B3-8CB6140CB64C}"/>
-              </a:ext>
-            </a:extLst>
-          </p:cNvPr>
-          <p:cNvSpPr txBox="1"/>
-          <p:nvPr/>
-        </p:nvSpPr>
-        <p:spPr>
-          <a:xfrm>
-            <a:off x="641774" y="1758305"/>
-            <a:ext cx="8555389" cy="461665"/>
-          </a:xfrm>
-          <a:prstGeom prst="rect">
-            <a:avLst/>
-          </a:prstGeom>
-          <a:noFill/>
-        </p:spPr>
-        <p:txBody>
-          <a:bodyPr wrap="square" rtlCol="0">
-            <a:spAutoFit/>
-          </a:bodyPr>
-          <a:lstStyle/>
-          <a:p>
-            <a:r>
-              <a:rPr lang="zh-CN" altLang="en-US" sz="2400" b="1" dirty="0">
-                <a:solidFill>
-                  <a:schemeClr val="bg1"/>
-                </a:solidFill>
-              </a:rPr>
-              <a:t>最初：操作 </a:t>
-            </a:r>
-            <a:r>
-              <a:rPr lang="en-US" altLang="zh-CN" sz="2400" b="1" dirty="0" err="1">
-                <a:solidFill>
-                  <a:schemeClr val="bg1"/>
-                </a:solidFill>
-              </a:rPr>
-              <a:t>dom</a:t>
-            </a:r>
-            <a:r>
-              <a:rPr lang="zh-CN" altLang="en-US" sz="2400" b="1" dirty="0">
-                <a:solidFill>
-                  <a:schemeClr val="bg1"/>
-                </a:solidFill>
-              </a:rPr>
-              <a:t> 把变量放到节点中，比如使用 </a:t>
-            </a:r>
-            <a:r>
-              <a:rPr lang="en-US" altLang="zh-CN" sz="2400" b="1" dirty="0">
-                <a:solidFill>
-                  <a:schemeClr val="bg1"/>
-                </a:solidFill>
-              </a:rPr>
-              <a:t>JQ</a:t>
-            </a:r>
-            <a:endParaRPr kumimoji="1" lang="zh-CN" altLang="en-US" sz="2400" dirty="0"/>
-          </a:p>
-        </p:txBody>
-      </p:sp>
-      <p:sp>
-        <p:nvSpPr>
           <p:cNvPr id="6" name="矩形 5">
             <a:extLst>
               <a:ext uri="{FF2B5EF4-FFF2-40B4-BE49-F238E27FC236}">
@@ -4080,8 +4025,8 @@
         </p:nvSpPr>
         <p:spPr>
           <a:xfrm>
-            <a:off x="641773" y="1070627"/>
-            <a:ext cx="7045541" cy="523220"/>
+            <a:off x="2188569" y="1547753"/>
+            <a:ext cx="7045541" cy="3904339"/>
           </a:xfrm>
           <a:prstGeom prst="rect">
             <a:avLst/>
@@ -4094,21 +4039,48 @@
           </a:bodyPr>
           <a:lstStyle/>
           <a:p>
+            <a:pPr marL="514350" indent="-514350">
+              <a:lnSpc>
+                <a:spcPct val="150000"/>
+              </a:lnSpc>
+              <a:buAutoNum type="arabicPeriod"/>
+            </a:pPr>
+            <a:r>
+              <a:rPr lang="en-US" altLang="zh-CN" sz="2800" b="1" dirty="0">
+                <a:solidFill>
+                  <a:schemeClr val="bg1"/>
+                </a:solidFill>
+              </a:rPr>
+              <a:t>Promise</a:t>
+            </a:r>
             <a:r>
               <a:rPr lang="zh-CN" altLang="en-US" sz="2800" b="1" dirty="0">
                 <a:solidFill>
                   <a:schemeClr val="bg1"/>
                 </a:solidFill>
               </a:rPr>
-              <a:t>前端期望把数据渲染到 </a:t>
-            </a:r>
+              <a:t> 是什么</a:t>
+            </a:r>
+            <a:endParaRPr lang="en-US" altLang="zh-CN" sz="2800" b="1" dirty="0">
+              <a:solidFill>
+                <a:schemeClr val="bg1"/>
+              </a:solidFill>
+            </a:endParaRPr>
+          </a:p>
+          <a:p>
+            <a:pPr marL="514350" indent="-514350">
+              <a:lnSpc>
+                <a:spcPct val="150000"/>
+              </a:lnSpc>
+              <a:buAutoNum type="arabicPeriod"/>
+            </a:pPr>
             <a:r>
               <a:rPr lang="en-US" altLang="zh-CN" sz="2800" b="1" dirty="0">
                 <a:solidFill>
                   <a:schemeClr val="bg1"/>
                 </a:solidFill>
               </a:rPr>
-              <a:t>html</a:t>
+              <a:t>Promises/A+</a:t>
             </a:r>
             <a:r>
               <a:rPr lang="zh-CN" altLang="en-US" sz="2800" b="1" dirty="0">
@@ -4116,258 +4088,120 @@
                   <a:schemeClr val="bg1"/>
                 </a:solidFill>
               </a:rPr>
-              <a:t> 上怎么做呢？</a:t>
-            </a:r>
-            <a:endParaRPr kumimoji="1" lang="zh-CN" altLang="en-US" sz="2800" dirty="0"/>
-          </a:p>
-        </p:txBody>
-      </p:sp>
-      <p:sp>
-        <p:nvSpPr>
-          <p:cNvPr id="11" name="文本框 10">
-            <a:extLst>
-              <a:ext uri="{FF2B5EF4-FFF2-40B4-BE49-F238E27FC236}">
-                <a16:creationId xmlns:a16="http://schemas.microsoft.com/office/drawing/2014/main" id="{45E93A2D-6FFA-954F-AC90-8C605D3973B4}"/>
-              </a:ext>
-            </a:extLst>
-          </p:cNvPr>
-          <p:cNvSpPr txBox="1"/>
-          <p:nvPr/>
-        </p:nvSpPr>
-        <p:spPr>
-          <a:xfrm>
-            <a:off x="641773" y="2381580"/>
-            <a:ext cx="9873795" cy="830997"/>
-          </a:xfrm>
-          <a:prstGeom prst="rect">
-            <a:avLst/>
-          </a:prstGeom>
-          <a:noFill/>
-        </p:spPr>
-        <p:txBody>
-          <a:bodyPr wrap="square" rtlCol="0">
-            <a:spAutoFit/>
-          </a:bodyPr>
-          <a:lstStyle/>
-          <a:p>
-            <a:r>
-              <a:rPr lang="zh-CN" altLang="en-US" sz="2400" b="1" dirty="0">
-                <a:solidFill>
-                  <a:schemeClr val="bg1"/>
-                </a:solidFill>
-              </a:rPr>
-              <a:t>模板引擎：可以在标签中写变量，</a:t>
-            </a:r>
-            <a:r>
-              <a:rPr lang="en-US" altLang="zh-CN" sz="2400" b="1" dirty="0" err="1">
-                <a:solidFill>
-                  <a:schemeClr val="bg1"/>
-                </a:solidFill>
-              </a:rPr>
-              <a:t>js</a:t>
-            </a:r>
-            <a:r>
-              <a:rPr lang="zh-CN" altLang="en-US" sz="2400" b="1" dirty="0">
-                <a:solidFill>
-                  <a:schemeClr val="bg1"/>
-                </a:solidFill>
-              </a:rPr>
-              <a:t> 语句，比如 </a:t>
-            </a:r>
-            <a:r>
-              <a:rPr lang="en-US" altLang="zh-CN" sz="2400" b="1" dirty="0" err="1">
-                <a:solidFill>
-                  <a:schemeClr val="bg1"/>
-                </a:solidFill>
-              </a:rPr>
-              <a:t>ejs</a:t>
-            </a:r>
-            <a:r>
-              <a:rPr lang="zh-CN" altLang="en-US" sz="2400" b="1" dirty="0">
-                <a:solidFill>
-                  <a:schemeClr val="bg1"/>
-                </a:solidFill>
-              </a:rPr>
-              <a:t> 中可以用 </a:t>
-            </a:r>
-            <a:r>
-              <a:rPr lang="en-US" altLang="zh-CN" sz="2400" b="1" dirty="0">
-                <a:solidFill>
-                  <a:schemeClr val="bg1"/>
-                </a:solidFill>
-              </a:rPr>
-              <a:t>&lt;%</a:t>
-            </a:r>
-            <a:r>
-              <a:rPr lang="zh-CN" altLang="en-US" sz="2400" b="1" dirty="0">
-                <a:solidFill>
-                  <a:schemeClr val="bg1"/>
-                </a:solidFill>
-              </a:rPr>
-              <a:t> </a:t>
-            </a:r>
-            <a:r>
-              <a:rPr lang="en-US" altLang="zh-CN" sz="2400" b="1" dirty="0">
-                <a:solidFill>
-                  <a:schemeClr val="bg1"/>
-                </a:solidFill>
-              </a:rPr>
-              <a:t>%&gt;</a:t>
-            </a:r>
-            <a:r>
-              <a:rPr lang="zh-CN" altLang="en-US" sz="2400" b="1" dirty="0">
-                <a:solidFill>
-                  <a:schemeClr val="bg1"/>
-                </a:solidFill>
-              </a:rPr>
-              <a:t> 写 </a:t>
-            </a:r>
-            <a:r>
-              <a:rPr lang="en-US" altLang="zh-CN" sz="2400" b="1" dirty="0" err="1">
-                <a:solidFill>
-                  <a:schemeClr val="bg1"/>
-                </a:solidFill>
-              </a:rPr>
-              <a:t>js</a:t>
-            </a:r>
-            <a:r>
-              <a:rPr lang="zh-CN" altLang="en-US" sz="2400" b="1" dirty="0">
-                <a:solidFill>
-                  <a:schemeClr val="bg1"/>
-                </a:solidFill>
-              </a:rPr>
-              <a:t> 语句，</a:t>
-            </a:r>
-            <a:r>
-              <a:rPr lang="en-US" altLang="zh-CN" sz="2400" b="1" dirty="0">
-                <a:solidFill>
-                  <a:schemeClr val="bg1"/>
-                </a:solidFill>
-              </a:rPr>
-              <a:t>&lt;%=</a:t>
-            </a:r>
-            <a:r>
-              <a:rPr lang="zh-CN" altLang="en-US" sz="2400" b="1" dirty="0">
-                <a:solidFill>
-                  <a:schemeClr val="bg1"/>
-                </a:solidFill>
-              </a:rPr>
-              <a:t> </a:t>
-            </a:r>
-            <a:r>
-              <a:rPr lang="en-US" altLang="zh-CN" sz="2400" b="1" dirty="0">
-                <a:solidFill>
-                  <a:schemeClr val="bg1"/>
-                </a:solidFill>
-              </a:rPr>
-              <a:t>%&gt;</a:t>
-            </a:r>
-            <a:r>
-              <a:rPr lang="zh-CN" altLang="en-US" sz="2400" b="1" dirty="0">
-                <a:solidFill>
-                  <a:schemeClr val="bg1"/>
-                </a:solidFill>
-              </a:rPr>
-              <a:t> 写变量； </a:t>
-            </a:r>
-            <a:r>
-              <a:rPr lang="en-US" altLang="zh-CN" sz="2400" b="1" dirty="0" err="1">
-                <a:solidFill>
-                  <a:schemeClr val="bg1"/>
-                </a:solidFill>
-              </a:rPr>
-              <a:t>vue</a:t>
-            </a:r>
-            <a:r>
-              <a:rPr lang="zh-CN" altLang="en-US" sz="2400" b="1" dirty="0">
-                <a:solidFill>
-                  <a:schemeClr val="bg1"/>
-                </a:solidFill>
-              </a:rPr>
-              <a:t> 中 </a:t>
-            </a:r>
-            <a:r>
-              <a:rPr lang="en-US" altLang="zh-CN" sz="2400" b="1" dirty="0">
-                <a:solidFill>
-                  <a:schemeClr val="bg1"/>
-                </a:solidFill>
-              </a:rPr>
-              <a:t>{{</a:t>
-            </a:r>
-            <a:r>
-              <a:rPr lang="zh-CN" altLang="en-US" sz="2400" b="1" dirty="0">
-                <a:solidFill>
-                  <a:schemeClr val="bg1"/>
-                </a:solidFill>
-              </a:rPr>
-              <a:t> </a:t>
-            </a:r>
-            <a:r>
-              <a:rPr lang="en-US" altLang="zh-CN" sz="2400" b="1" dirty="0">
-                <a:solidFill>
-                  <a:schemeClr val="bg1"/>
-                </a:solidFill>
-              </a:rPr>
-              <a:t>}}</a:t>
-            </a:r>
-            <a:r>
-              <a:rPr lang="zh-CN" altLang="en-US" sz="2400" b="1" dirty="0">
-                <a:solidFill>
-                  <a:schemeClr val="bg1"/>
-                </a:solidFill>
-              </a:rPr>
-              <a:t> 中写变量 和 </a:t>
-            </a:r>
-            <a:r>
-              <a:rPr lang="en-US" altLang="zh-CN" sz="2400" b="1" dirty="0" err="1">
-                <a:solidFill>
-                  <a:schemeClr val="bg1"/>
-                </a:solidFill>
-              </a:rPr>
-              <a:t>js</a:t>
-            </a:r>
-            <a:r>
-              <a:rPr lang="zh-CN" altLang="en-US" sz="2400" b="1">
-                <a:solidFill>
-                  <a:schemeClr val="bg1"/>
-                </a:solidFill>
-              </a:rPr>
-              <a:t> 语句</a:t>
-            </a:r>
-            <a:endParaRPr kumimoji="1" lang="zh-CN" altLang="en-US" sz="2400" dirty="0"/>
-          </a:p>
-        </p:txBody>
-      </p:sp>
-      <p:pic>
-        <p:nvPicPr>
-          <p:cNvPr id="8" name="图片 7">
-            <a:extLst>
-              <a:ext uri="{FF2B5EF4-FFF2-40B4-BE49-F238E27FC236}">
-                <a16:creationId xmlns:a16="http://schemas.microsoft.com/office/drawing/2014/main" id="{87ED655A-824D-D540-9EDC-7E84908BEFF5}"/>
-              </a:ext>
-            </a:extLst>
-          </p:cNvPr>
-          <p:cNvPicPr>
-            <a:picLocks noChangeAspect="1"/>
-          </p:cNvPicPr>
-          <p:nvPr/>
-        </p:nvPicPr>
-        <p:blipFill>
-          <a:blip r:embed="rId3"/>
-          <a:stretch>
-            <a:fillRect/>
-          </a:stretch>
-        </p:blipFill>
-        <p:spPr>
-          <a:xfrm>
-            <a:off x="723488" y="3645424"/>
-            <a:ext cx="4855182" cy="1618394"/>
-          </a:xfrm>
-          <a:prstGeom prst="rect">
-            <a:avLst/>
-          </a:prstGeom>
-        </p:spPr>
-      </p:pic>
+              <a:t> 规范</a:t>
+            </a:r>
+            <a:endParaRPr lang="en-US" altLang="zh-CN" sz="2800" b="1" dirty="0">
+              <a:solidFill>
+                <a:schemeClr val="bg1"/>
+              </a:solidFill>
+            </a:endParaRPr>
+          </a:p>
+          <a:p>
+            <a:pPr marL="514350" indent="-514350">
+              <a:lnSpc>
+                <a:spcPct val="150000"/>
+              </a:lnSpc>
+              <a:buAutoNum type="arabicPeriod"/>
+            </a:pPr>
+            <a:r>
+              <a:rPr kumimoji="1" lang="zh-CN" altLang="en-US" sz="2800" b="1" dirty="0">
+                <a:solidFill>
+                  <a:schemeClr val="bg1"/>
+                </a:solidFill>
+              </a:rPr>
+              <a:t>手写基础版 </a:t>
+            </a:r>
+            <a:r>
+              <a:rPr kumimoji="1" lang="en-US" altLang="zh-CN" sz="2800" b="1" dirty="0">
+                <a:solidFill>
+                  <a:schemeClr val="bg1"/>
+                </a:solidFill>
+              </a:rPr>
+              <a:t>Promise</a:t>
+            </a:r>
+          </a:p>
+          <a:p>
+            <a:pPr marL="514350" indent="-514350">
+              <a:lnSpc>
+                <a:spcPct val="150000"/>
+              </a:lnSpc>
+              <a:buAutoNum type="arabicPeriod"/>
+            </a:pPr>
+            <a:r>
+              <a:rPr kumimoji="1" lang="zh-CN" altLang="en-US" sz="2800" b="1" dirty="0">
+                <a:solidFill>
+                  <a:schemeClr val="bg1"/>
+                </a:solidFill>
+              </a:rPr>
+              <a:t>手写完整版 </a:t>
+            </a:r>
+            <a:r>
+              <a:rPr kumimoji="1" lang="en-US" altLang="zh-CN" sz="2800" b="1" dirty="0">
+                <a:solidFill>
+                  <a:schemeClr val="bg1"/>
+                </a:solidFill>
+              </a:rPr>
+              <a:t>Promise</a:t>
+            </a:r>
+          </a:p>
+          <a:p>
+            <a:pPr>
+              <a:lnSpc>
+                <a:spcPct val="150000"/>
+              </a:lnSpc>
+            </a:pPr>
+            <a:r>
+              <a:rPr kumimoji="1" lang="en-US" altLang="zh-CN" sz="2800" b="1" dirty="0">
+                <a:solidFill>
+                  <a:schemeClr val="bg1"/>
+                </a:solidFill>
+              </a:rPr>
+              <a:t>	-</a:t>
+            </a:r>
+            <a:r>
+              <a:rPr kumimoji="1" lang="zh-CN" altLang="en-US" sz="2800" b="1" dirty="0">
+                <a:solidFill>
+                  <a:schemeClr val="bg1"/>
+                </a:solidFill>
+              </a:rPr>
+              <a:t> 测试</a:t>
+            </a:r>
+            <a:endParaRPr kumimoji="1" lang="en-US" altLang="zh-CN" sz="2800" b="1" dirty="0">
+              <a:solidFill>
+                <a:schemeClr val="bg1"/>
+              </a:solidFill>
+            </a:endParaRPr>
+          </a:p>
+          <a:p>
+            <a:pPr>
+              <a:lnSpc>
+                <a:spcPct val="150000"/>
+              </a:lnSpc>
+            </a:pPr>
+            <a:r>
+              <a:rPr kumimoji="1" lang="en-US" altLang="zh-CN" sz="2800" b="1" dirty="0">
+                <a:solidFill>
+                  <a:schemeClr val="bg1"/>
+                </a:solidFill>
+              </a:rPr>
+              <a:t>	-</a:t>
+            </a:r>
+            <a:r>
+              <a:rPr kumimoji="1" lang="zh-CN" altLang="en-US" sz="2800" b="1" dirty="0">
+                <a:solidFill>
+                  <a:schemeClr val="bg1"/>
+                </a:solidFill>
+              </a:rPr>
+              <a:t> 完整版优化</a:t>
+            </a:r>
+            <a:endParaRPr kumimoji="1" lang="en-US" altLang="zh-CN" sz="2800" b="1" dirty="0">
+              <a:solidFill>
+                <a:schemeClr val="bg1"/>
+              </a:solidFill>
+            </a:endParaRPr>
+          </a:p>
+        </p:txBody>
+      </p:sp>
     </p:spTree>
     <p:extLst>
       <p:ext uri="{BB962C8B-B14F-4D97-AF65-F5344CB8AC3E}">
@@ -4378,199 +4212,6 @@
   <p:clrMapOvr>
     <a:masterClrMapping/>
   </p:clrMapOvr>
-  <p:timing>
-    <p:tnLst>
-      <p:par>
-        <p:cTn id="1" dur="indefinite" restart="never" nodeType="tmRoot">
-          <p:childTnLst>
-            <p:seq concurrent="1" nextAc="seek">
-              <p:cTn id="2" dur="indefinite" nodeType="mainSeq">
-                <p:childTnLst>
-                  <p:par>
-                    <p:cTn id="3" fill="hold">
-                      <p:stCondLst>
-                        <p:cond delay="indefinite"/>
-                      </p:stCondLst>
-                      <p:childTnLst>
-                        <p:par>
-                          <p:cTn id="4" fill="hold">
-                            <p:stCondLst>
-                              <p:cond delay="0"/>
-                            </p:stCondLst>
-                            <p:childTnLst>
-                              <p:par>
-                                <p:cTn id="5" presetID="3" presetClass="entr" presetSubtype="10" fill="hold" grpId="0" nodeType="clickEffect">
-                                  <p:stCondLst>
-                                    <p:cond delay="0"/>
-                                  </p:stCondLst>
-                                  <p:childTnLst>
-                                    <p:set>
-                                      <p:cBhvr>
-                                        <p:cTn id="6" dur="1" fill="hold">
-                                          <p:stCondLst>
-                                            <p:cond delay="0"/>
-                                          </p:stCondLst>
-                                        </p:cTn>
-                                        <p:tgtEl>
-                                          <p:spTgt spid="5"/>
-                                        </p:tgtEl>
-                                        <p:attrNameLst>
-                                          <p:attrName>style.visibility</p:attrName>
-                                        </p:attrNameLst>
-                                      </p:cBhvr>
-                                      <p:to>
-                                        <p:strVal val="visible"/>
-                                      </p:to>
-                                    </p:set>
-                                    <p:animEffect transition="in" filter="blinds(horizontal)">
-                                      <p:cBhvr>
-                                        <p:cTn id="7" dur="500"/>
-                                        <p:tgtEl>
-                                          <p:spTgt spid="5"/>
-                                        </p:tgtEl>
-                                      </p:cBhvr>
-                                    </p:animEffect>
-                                  </p:childTnLst>
-                                </p:cTn>
-                              </p:par>
-                            </p:childTnLst>
-                          </p:cTn>
-                        </p:par>
-                      </p:childTnLst>
-                    </p:cTn>
-                  </p:par>
-                  <p:par>
-                    <p:cTn id="8" fill="hold">
-                      <p:stCondLst>
-                        <p:cond delay="indefinite"/>
-                      </p:stCondLst>
-                      <p:childTnLst>
-                        <p:par>
-                          <p:cTn id="9" fill="hold">
-                            <p:stCondLst>
-                              <p:cond delay="0"/>
-                            </p:stCondLst>
-                            <p:childTnLst>
-                              <p:par>
-                                <p:cTn id="10" presetID="3" presetClass="entr" presetSubtype="10" fill="hold" grpId="0" nodeType="clickEffect">
-                                  <p:stCondLst>
-                                    <p:cond delay="0"/>
-                                  </p:stCondLst>
-                                  <p:childTnLst>
-                                    <p:set>
-                                      <p:cBhvr>
-                                        <p:cTn id="11" dur="1" fill="hold">
-                                          <p:stCondLst>
-                                            <p:cond delay="0"/>
-                                          </p:stCondLst>
-                                        </p:cTn>
-                                        <p:tgtEl>
-                                          <p:spTgt spid="11"/>
-                                        </p:tgtEl>
-                                        <p:attrNameLst>
-                                          <p:attrName>style.visibility</p:attrName>
-                                        </p:attrNameLst>
-                                      </p:cBhvr>
-                                      <p:to>
-                                        <p:strVal val="visible"/>
-                                      </p:to>
-                                    </p:set>
-                                    <p:animEffect transition="in" filter="blinds(horizontal)">
-                                      <p:cBhvr>
-                                        <p:cTn id="12" dur="500"/>
-                                        <p:tgtEl>
-                                          <p:spTgt spid="11"/>
-                                        </p:tgtEl>
-                                      </p:cBhvr>
-                                    </p:animEffect>
-                                  </p:childTnLst>
-                                </p:cTn>
-                              </p:par>
-                            </p:childTnLst>
-                          </p:cTn>
-                        </p:par>
-                      </p:childTnLst>
-                    </p:cTn>
-                  </p:par>
-                  <p:par>
-                    <p:cTn id="13" fill="hold">
-                      <p:stCondLst>
-                        <p:cond delay="indefinite"/>
-                      </p:stCondLst>
-                      <p:childTnLst>
-                        <p:par>
-                          <p:cTn id="14" fill="hold">
-                            <p:stCondLst>
-                              <p:cond delay="0"/>
-                            </p:stCondLst>
-                            <p:childTnLst>
-                              <p:par>
-                                <p:cTn id="15" presetID="3" presetClass="entr" presetSubtype="10" fill="hold" nodeType="clickEffect">
-                                  <p:stCondLst>
-                                    <p:cond delay="0"/>
-                                  </p:stCondLst>
-                                  <p:childTnLst>
-                                    <p:set>
-                                      <p:cBhvr>
-                                        <p:cTn id="16" dur="1" fill="hold">
-                                          <p:stCondLst>
-                                            <p:cond delay="0"/>
-                                          </p:stCondLst>
-                                        </p:cTn>
-                                        <p:tgtEl>
-                                          <p:spTgt spid="8"/>
-                                        </p:tgtEl>
-                                        <p:attrNameLst>
-                                          <p:attrName>style.visibility</p:attrName>
-                                        </p:attrNameLst>
-                                      </p:cBhvr>
-                                      <p:to>
-                                        <p:strVal val="visible"/>
-                                      </p:to>
-                                    </p:set>
-                                    <p:animEffect transition="in" filter="blinds(horizontal)">
-                                      <p:cBhvr>
-                                        <p:cTn id="17" dur="500"/>
-                                        <p:tgtEl>
-                                          <p:spTgt spid="8"/>
-                                        </p:tgtEl>
-                                      </p:cBhvr>
-                                    </p:animEffect>
-                                  </p:childTnLst>
-                                </p:cTn>
-                              </p:par>
-                            </p:childTnLst>
-                          </p:cTn>
-                        </p:par>
-                      </p:childTnLst>
-                    </p:cTn>
-                  </p:par>
-                </p:childTnLst>
-              </p:cTn>
-              <p:prevCondLst>
-                <p:cond evt="onPrev" delay="0">
-                  <p:tgtEl>
-                    <p:sldTgt/>
-                  </p:tgtEl>
-                </p:cond>
-              </p:prevCondLst>
-              <p:nextCondLst>
-                <p:cond evt="onNext" delay="0">
-                  <p:tgtEl>
-                    <p:sldTgt/>
-                  </p:tgtEl>
-                </p:cond>
-              </p:nextCondLst>
-            </p:seq>
-          </p:childTnLst>
-        </p:cTn>
-      </p:par>
-    </p:tnLst>
-    <p:bldLst>
-      <p:bldP spid="5" grpId="0"/>
-      <p:bldP spid="11" grpId="0"/>
-    </p:bldLst>
-  </p:timing>
 </p:sld>
 </file>
 
@@ -4791,62 +4432,6 @@
           </a:p>
         </p:txBody>
       </p:sp>
-      <p:sp>
-        <p:nvSpPr>
-          <p:cNvPr id="2" name="Title 1">
-            <a:extLst>
-              <a:ext uri="{FF2B5EF4-FFF2-40B4-BE49-F238E27FC236}">
-                <a16:creationId xmlns:a16="http://schemas.microsoft.com/office/drawing/2014/main" id="{72391006-B58D-714F-AC19-A3032E158077}"/>
-              </a:ext>
-            </a:extLst>
-          </p:cNvPr>
-          <p:cNvSpPr>
-            <a:spLocks noGrp="1"/>
-          </p:cNvSpPr>
-          <p:nvPr>
-            <p:ph type="ctrTitle"/>
-          </p:nvPr>
-        </p:nvSpPr>
-        <p:spPr>
-          <a:xfrm>
-            <a:off x="527148" y="94323"/>
-            <a:ext cx="6671093" cy="523220"/>
-          </a:xfrm>
-        </p:spPr>
-        <p:txBody>
-          <a:bodyPr anchor="ctr">
-            <a:noAutofit/>
-          </a:bodyPr>
-          <a:lstStyle/>
-          <a:p>
-            <a:pPr algn="l"/>
-            <a:r>
-              <a:rPr lang="en-US" altLang="zh-CN" sz="3600" b="1" dirty="0">
-                <a:solidFill>
-                  <a:schemeClr val="bg1"/>
-                </a:solidFill>
-                <a:latin typeface="+mn-lt"/>
-              </a:rPr>
-              <a:t>2.</a:t>
-            </a:r>
-            <a:r>
-              <a:rPr lang="zh-CN" altLang="en-US" sz="3600" b="1" dirty="0">
-                <a:solidFill>
-                  <a:schemeClr val="bg1"/>
-                </a:solidFill>
-                <a:latin typeface="+mn-lt"/>
-              </a:rPr>
-              <a:t> 探究探究原理？</a:t>
-            </a:r>
-            <a:endParaRPr lang="en-CN" sz="3600" b="1" dirty="0">
-              <a:solidFill>
-                <a:schemeClr val="bg1"/>
-              </a:solidFill>
-              <a:latin typeface="+mn-lt"/>
-            </a:endParaRPr>
-          </a:p>
-        </p:txBody>
-      </p:sp>
       <p:cxnSp>
         <p:nvCxnSpPr>
           <p:cNvPr id="32" name="Straight Connector 13">
@@ -4916,8 +4501,8 @@
         </p:nvSpPr>
         <p:spPr>
           <a:xfrm>
-            <a:off x="641773" y="1117449"/>
-            <a:ext cx="8555389" cy="461665"/>
+            <a:off x="999125" y="1420099"/>
+            <a:ext cx="9984186" cy="3416320"/>
           </a:xfrm>
           <a:prstGeom prst="rect">
             <a:avLst/>
@@ -4931,12 +4516,36 @@
           <a:lstStyle/>
           <a:p>
             <a:r>
+              <a:rPr lang="en" altLang="zh-CN" sz="2400" b="1" dirty="0">
+                <a:solidFill>
+                  <a:schemeClr val="bg1"/>
+                </a:solidFill>
+              </a:rPr>
+              <a:t>Promise </a:t>
+            </a:r>
+            <a:r>
               <a:rPr lang="zh-CN" altLang="en-US" sz="2400" b="1" dirty="0">
                 <a:solidFill>
                   <a:schemeClr val="bg1"/>
                 </a:solidFill>
               </a:rPr>
-              <a:t>问题</a:t>
+              <a:t>是 </a:t>
+            </a:r>
+            <a:r>
+              <a:rPr lang="en" altLang="zh-CN" sz="2400" b="1" dirty="0">
+                <a:solidFill>
+                  <a:schemeClr val="bg1"/>
+                </a:solidFill>
+              </a:rPr>
+              <a:t>JS </a:t>
+            </a:r>
+            <a:r>
+              <a:rPr lang="zh-CN" altLang="en-US" sz="2400" b="1" dirty="0">
+                <a:solidFill>
+                  <a:schemeClr val="bg1"/>
+                </a:solidFill>
+              </a:rPr>
+              <a:t>异步编程的一种解决方案，比传统的解决方案</a:t>
             </a:r>
             <a:r>
               <a:rPr lang="en-US" altLang="zh-CN" sz="2400" b="1" dirty="0">
@@ -4944,7 +4553,7 @@
                   <a:schemeClr val="bg1"/>
                 </a:solidFill>
               </a:rPr>
-              <a:t>1</a:t>
+              <a:t>——</a:t>
             </a:r>
             <a:r>
               <a:rPr lang="zh-CN" altLang="en-US" sz="2400" b="1" dirty="0">
@@ -4952,15 +4561,15 @@
                   <a:schemeClr val="bg1"/>
                 </a:solidFill>
               </a:rPr>
-              <a:t>： 如何在标签中识别出哪些是变量？哪些是 </a:t>
-            </a:r>
-            <a:r>
-              <a:rPr lang="en-US" altLang="zh-CN" sz="2400" b="1" dirty="0" err="1">
-                <a:solidFill>
-                  <a:schemeClr val="bg1"/>
-                </a:solidFill>
-              </a:rPr>
-              <a:t>js</a:t>
+              <a:t>回调函数和事件</a:t>
+            </a:r>
+            <a:r>
+              <a:rPr lang="en-US" altLang="zh-CN" sz="2400" b="1" dirty="0">
+                <a:solidFill>
+                  <a:schemeClr val="bg1"/>
+                </a:solidFill>
+              </a:rPr>
+              <a:t>——</a:t>
             </a:r>
             <a:r>
               <a:rPr lang="zh-CN" altLang="en-US" sz="2400" b="1" dirty="0">
@@ -4968,8 +4577,115 @@
                   <a:schemeClr val="bg1"/>
                 </a:solidFill>
               </a:rPr>
-              <a:t> 语句？</a:t>
-            </a:r>
+              <a:t>更合理和更强大。</a:t>
+            </a:r>
+          </a:p>
+          <a:p>
+            <a:br>
+              <a:rPr lang="zh-CN" altLang="en-US" sz="2400" b="1" dirty="0">
+                <a:solidFill>
+                  <a:schemeClr val="bg1"/>
+                </a:solidFill>
+              </a:rPr>
+            </a:br>
+            <a:r>
+              <a:rPr lang="zh-CN" altLang="en-US" sz="2400" b="1" dirty="0">
+                <a:solidFill>
+                  <a:schemeClr val="bg1"/>
+                </a:solidFill>
+              </a:rPr>
+              <a:t>所谓 </a:t>
+            </a:r>
+            <a:r>
+              <a:rPr lang="en" altLang="zh-CN" sz="2400" b="1" dirty="0">
+                <a:solidFill>
+                  <a:schemeClr val="bg1"/>
+                </a:solidFill>
+              </a:rPr>
+              <a:t>Promise</a:t>
+            </a:r>
+            <a:r>
+              <a:rPr lang="zh-CN" altLang="en" sz="2400" b="1" dirty="0">
+                <a:solidFill>
+                  <a:schemeClr val="bg1"/>
+                </a:solidFill>
+              </a:rPr>
+              <a:t>，</a:t>
+            </a:r>
+            <a:r>
+              <a:rPr lang="zh-CN" altLang="en-US" sz="2400" b="1" dirty="0">
+                <a:solidFill>
+                  <a:schemeClr val="bg1"/>
+                </a:solidFill>
+              </a:rPr>
+              <a:t>简单说就是一个容器，里面保存着某个未来才会结束的事件（通常是一个异步操作）的结果。可以说</a:t>
+            </a:r>
+            <a:r>
+              <a:rPr lang="en" altLang="zh-CN" sz="2400" b="1" dirty="0">
+                <a:solidFill>
+                  <a:schemeClr val="bg1"/>
+                </a:solidFill>
+              </a:rPr>
+              <a:t>Promise </a:t>
+            </a:r>
+            <a:r>
+              <a:rPr lang="zh-CN" altLang="en-US" sz="2400" b="1" dirty="0">
+                <a:solidFill>
+                  <a:schemeClr val="bg1"/>
+                </a:solidFill>
+              </a:rPr>
+              <a:t>的出现完美的解决了回调地狱</a:t>
+            </a:r>
+            <a:r>
+              <a:rPr lang="en-US" altLang="zh-CN" sz="2400" b="1" dirty="0">
+                <a:solidFill>
+                  <a:schemeClr val="bg1"/>
+                </a:solidFill>
+              </a:rPr>
+              <a:t>, </a:t>
+            </a:r>
+            <a:r>
+              <a:rPr lang="zh-CN" altLang="en-US" sz="2400" b="1" dirty="0">
+                <a:solidFill>
+                  <a:schemeClr val="bg1"/>
+                </a:solidFill>
+              </a:rPr>
+              <a:t>有了 </a:t>
+            </a:r>
+            <a:r>
+              <a:rPr lang="en" altLang="zh-CN" sz="2400" b="1" dirty="0">
+                <a:solidFill>
+                  <a:schemeClr val="bg1"/>
+                </a:solidFill>
+              </a:rPr>
+              <a:t>Promise </a:t>
+            </a:r>
+            <a:r>
+              <a:rPr lang="zh-CN" altLang="en-US" sz="2400" b="1" dirty="0">
+                <a:solidFill>
+                  <a:schemeClr val="bg1"/>
+                </a:solidFill>
+              </a:rPr>
+              <a:t>对象，就可以将异步操作以同步操作的流程表达出来，避免了层层嵌套的回调函数。此外，</a:t>
+            </a:r>
+            <a:r>
+              <a:rPr lang="en" altLang="zh-CN" sz="2400" b="1" dirty="0">
+                <a:solidFill>
+                  <a:schemeClr val="bg1"/>
+                </a:solidFill>
+              </a:rPr>
+              <a:t>Promise </a:t>
+            </a:r>
+            <a:r>
+              <a:rPr lang="zh-CN" altLang="en-US" sz="2400" b="1" dirty="0">
+                <a:solidFill>
+                  <a:schemeClr val="bg1"/>
+                </a:solidFill>
+              </a:rPr>
+              <a:t>对象提供统一的接口，使得控制异步操作更加容易。</a:t>
+            </a:r>
+          </a:p>
+          <a:p>
             <a:endParaRPr kumimoji="1" lang="zh-CN" altLang="en-US" sz="2400" dirty="0"/>
           </a:p>
         </p:txBody>
@@ -5040,129 +4756,94 @@
       </p:sp>
       <p:sp>
         <p:nvSpPr>
-          <p:cNvPr id="13" name="文本框 12">
+          <p:cNvPr id="15" name="Title 1">
             <a:extLst>
               <a:ext uri="{FF2B5EF4-FFF2-40B4-BE49-F238E27FC236}">
-                <a16:creationId xmlns:a16="http://schemas.microsoft.com/office/drawing/2014/main" id="{9B1485D5-CBDC-B54A-8084-A5E4A5D0A32F}"/>
+                <a16:creationId xmlns:a16="http://schemas.microsoft.com/office/drawing/2014/main" id="{C19077E5-BB8D-394D-9D0E-4D40219EB876}"/>
               </a:ext>
             </a:extLst>
           </p:cNvPr>
-          <p:cNvSpPr txBox="1"/>
+          <p:cNvSpPr txBox="1">
+            <a:spLocks/>
+          </p:cNvSpPr>
           <p:nvPr/>
         </p:nvSpPr>
         <p:spPr>
           <a:xfrm>
-            <a:off x="641772" y="1762977"/>
-            <a:ext cx="8555389" cy="461665"/>
+            <a:off x="527148" y="122151"/>
+            <a:ext cx="6671093" cy="523220"/>
           </a:xfrm>
           <a:prstGeom prst="rect">
             <a:avLst/>
           </a:prstGeom>
-          <a:noFill/>
-        </p:spPr>
-        <p:txBody>
-          <a:bodyPr wrap="square" rtlCol="0">
-            <a:spAutoFit/>
+        </p:spPr>
+        <p:txBody>
+          <a:bodyPr vert="horz" lIns="91440" tIns="45720" rIns="91440" bIns="45720" rtlCol="0" anchor="ctr">
+            <a:noAutofit/>
           </a:bodyPr>
-          <a:lstStyle/>
-          <a:p>
-            <a:r>
-              <a:rPr lang="zh-CN" altLang="en-US" sz="2400" b="1" dirty="0">
-                <a:solidFill>
-                  <a:schemeClr val="bg1"/>
-                </a:solidFill>
-              </a:rPr>
-              <a:t>问题</a:t>
-            </a:r>
-            <a:r>
-              <a:rPr lang="en-US" altLang="zh-CN" sz="2400" b="1" dirty="0">
-                <a:solidFill>
-                  <a:schemeClr val="bg1"/>
-                </a:solidFill>
-              </a:rPr>
-              <a:t>2</a:t>
-            </a:r>
-            <a:r>
-              <a:rPr lang="zh-CN" altLang="en-US" sz="2400" b="1" dirty="0">
-                <a:solidFill>
-                  <a:schemeClr val="bg1"/>
-                </a:solidFill>
-              </a:rPr>
-              <a:t>： 如何将标签中写的变量替换成变量值？</a:t>
-            </a:r>
-            <a:endParaRPr kumimoji="1" lang="zh-CN" altLang="en-US" sz="2400" dirty="0"/>
-          </a:p>
-        </p:txBody>
-      </p:sp>
-      <p:sp>
-        <p:nvSpPr>
-          <p:cNvPr id="14" name="文本框 13">
-            <a:extLst>
-              <a:ext uri="{FF2B5EF4-FFF2-40B4-BE49-F238E27FC236}">
-                <a16:creationId xmlns:a16="http://schemas.microsoft.com/office/drawing/2014/main" id="{C4268867-A424-FF45-89BE-506DDA3EA6FF}"/>
-              </a:ext>
-            </a:extLst>
-          </p:cNvPr>
-          <p:cNvSpPr txBox="1"/>
-          <p:nvPr/>
-        </p:nvSpPr>
-        <p:spPr>
-          <a:xfrm>
-            <a:off x="641771" y="2492279"/>
-            <a:ext cx="8555389" cy="461665"/>
-          </a:xfrm>
-          <a:prstGeom prst="rect">
-            <a:avLst/>
-          </a:prstGeom>
-          <a:noFill/>
-        </p:spPr>
-        <p:txBody>
-          <a:bodyPr wrap="square" rtlCol="0">
-            <a:spAutoFit/>
-          </a:bodyPr>
-          <a:lstStyle/>
-          <a:p>
-            <a:r>
-              <a:rPr lang="zh-CN" altLang="en-US" sz="2400" b="1" dirty="0">
-                <a:solidFill>
-                  <a:schemeClr val="bg1"/>
-                </a:solidFill>
-              </a:rPr>
-              <a:t>问题</a:t>
-            </a:r>
-            <a:r>
-              <a:rPr lang="en-US" altLang="zh-CN" sz="2400" b="1" dirty="0">
-                <a:solidFill>
-                  <a:schemeClr val="bg1"/>
-                </a:solidFill>
-              </a:rPr>
-              <a:t>3</a:t>
-            </a:r>
-            <a:r>
-              <a:rPr lang="zh-CN" altLang="en-US" sz="2400" b="1" dirty="0">
-                <a:solidFill>
-                  <a:schemeClr val="bg1"/>
-                </a:solidFill>
-              </a:rPr>
-              <a:t>： </a:t>
-            </a:r>
-            <a:r>
-              <a:rPr lang="en-US" altLang="zh-CN" sz="2400" b="1" dirty="0" err="1">
-                <a:solidFill>
-                  <a:schemeClr val="bg1"/>
-                </a:solidFill>
-              </a:rPr>
-              <a:t>js</a:t>
-            </a:r>
-            <a:r>
-              <a:rPr lang="zh-CN" altLang="en-US" sz="2400" b="1" dirty="0">
-                <a:solidFill>
-                  <a:schemeClr val="bg1"/>
-                </a:solidFill>
-              </a:rPr>
-              <a:t> 语句又怎么执行呢？</a:t>
-            </a:r>
-            <a:endParaRPr kumimoji="1" lang="zh-CN" altLang="en-US" sz="2400" dirty="0"/>
+          <a:lstStyle>
+            <a:lvl1pPr algn="ctr" defTabSz="914400" rtl="0" eaLnBrk="1" latinLnBrk="0" hangingPunct="1">
+              <a:lnSpc>
+                <a:spcPct val="90000"/>
+              </a:lnSpc>
+              <a:spcBef>
+                <a:spcPct val="0"/>
+              </a:spcBef>
+              <a:buNone/>
+              <a:defRPr sz="6000" kern="1200">
+                <a:solidFill>
+                  <a:schemeClr val="tx1"/>
+                </a:solidFill>
+                <a:latin typeface="+mj-lt"/>
+                <a:ea typeface="+mj-ea"/>
+                <a:cs typeface="+mj-cs"/>
+              </a:defRPr>
+            </a:lvl1pPr>
+          </a:lstStyle>
+          <a:p>
+            <a:pPr algn="l"/>
+            <a:r>
+              <a:rPr lang="en-US" altLang="zh-CN" sz="3600" b="1" dirty="0">
+                <a:solidFill>
+                  <a:schemeClr val="bg1"/>
+                </a:solidFill>
+                <a:latin typeface="+mn-lt"/>
+              </a:rPr>
+              <a:t>1.</a:t>
+            </a:r>
+            <a:r>
+              <a:rPr lang="zh-CN" altLang="en-US" sz="3600" b="1" dirty="0">
+                <a:solidFill>
+                  <a:schemeClr val="bg1"/>
+                </a:solidFill>
+                <a:latin typeface="+mn-lt"/>
+              </a:rPr>
+              <a:t> </a:t>
+            </a:r>
+            <a:r>
+              <a:rPr lang="en-US" altLang="zh-CN" sz="3600" b="1" dirty="0">
+                <a:solidFill>
+                  <a:schemeClr val="bg1"/>
+                </a:solidFill>
+                <a:latin typeface="+mn-lt"/>
+              </a:rPr>
+              <a:t>Promise</a:t>
+            </a:r>
+            <a:r>
+              <a:rPr lang="zh-CN" altLang="en-US" sz="3600" b="1" dirty="0">
+                <a:solidFill>
+                  <a:schemeClr val="bg1"/>
+                </a:solidFill>
+                <a:latin typeface="+mn-lt"/>
+              </a:rPr>
+              <a:t> 是什么？</a:t>
+            </a:r>
+            <a:endParaRPr lang="en-CN" sz="3600" b="1" dirty="0">
+              <a:solidFill>
+                <a:schemeClr val="bg1"/>
+              </a:solidFill>
+              <a:latin typeface="+mn-lt"/>
+            </a:endParaRPr>
           </a:p>
         </p:txBody>
       </p:sp>
@@ -5176,146 +4857,6 @@
   <p:clrMapOvr>
     <a:masterClrMapping/>
   </p:clrMapOvr>
-  <p:timing>
-    <p:tnLst>
-      <p:par>
-        <p:cTn id="1" dur="indefinite" restart="never" nodeType="tmRoot">
-          <p:childTnLst>
-            <p:seq concurrent="1" nextAc="seek">
-              <p:cTn id="2" dur="indefinite" nodeType="mainSeq">
-                <p:childTnLst>
-                  <p:par>
-                    <p:cTn id="3" fill="hold">
-                      <p:stCondLst>
-                        <p:cond delay="indefinite"/>
-                      </p:stCondLst>
-                      <p:childTnLst>
-                        <p:par>
-                          <p:cTn id="4" fill="hold">
-                            <p:stCondLst>
-                              <p:cond delay="0"/>
-                            </p:stCondLst>
-                            <p:childTnLst>
-                              <p:par>
-                                <p:cTn id="5" presetID="3" presetClass="entr" presetSubtype="10" fill="hold" grpId="0" nodeType="clickEffect">
-                                  <p:stCondLst>
-                                    <p:cond delay="0"/>
-                                  </p:stCondLst>
-                                  <p:childTnLst>
-                                    <p:set>
-                                      <p:cBhvr>
-                                        <p:cTn id="6" dur="1" fill="hold">
-                                          <p:stCondLst>
-                                            <p:cond delay="0"/>
-                                          </p:stCondLst>
-                                        </p:cTn>
-                                        <p:tgtEl>
-                                          <p:spTgt spid="13"/>
-                                        </p:tgtEl>
-                                        <p:attrNameLst>
-                                          <p:attrName>style.visibility</p:attrName>
-                                        </p:attrNameLst>
-                                      </p:cBhvr>
-                                      <p:to>
-                                        <p:strVal val="visible"/>
-                                      </p:to>
-                                    </p:set>
-                                    <p:animEffect transition="in" filter="blinds(horizontal)">
-                                      <p:cBhvr>
-                                        <p:cTn id="7" dur="500"/>
-                                        <p:tgtEl>
-                                          <p:spTgt spid="13"/>
-                                        </p:tgtEl>
-                                      </p:cBhvr>
-                                    </p:animEffect>
-                                  </p:childTnLst>
-                                </p:cTn>
-                              </p:par>
-                            </p:childTnLst>
-                          </p:cTn>
-                        </p:par>
-                      </p:childTnLst>
-                    </p:cTn>
-                  </p:par>
-                  <p:par>
-                    <p:cTn id="8" fill="hold">
-                      <p:stCondLst>
-                        <p:cond delay="indefinite"/>
-                      </p:stCondLst>
-                      <p:childTnLst>
-                        <p:par>
-                          <p:cTn id="9" fill="hold">
-                            <p:stCondLst>
-                              <p:cond delay="0"/>
-                            </p:stCondLst>
-                            <p:childTnLst>
-                              <p:par>
-                                <p:cTn id="10" presetID="3" presetClass="entr" presetSubtype="10" fill="hold" grpId="0" nodeType="clickEffect">
-                                  <p:stCondLst>
-                                    <p:cond delay="0"/>
-                                  </p:stCondLst>
-                                  <p:childTnLst>
-                                    <p:set>
-                                      <p:cBhvr>
-                                        <p:cTn id="11" dur="1" fill="hold">
-                                          <p:stCondLst>
-                                            <p:cond delay="0"/>
-                                          </p:stCondLst>
-                                        </p:cTn>
-                                        <p:tgtEl>
-                                          <p:spTgt spid="14"/>
-                                        </p:tgtEl>
-                                        <p:attrNameLst>
-                                          <p:attrName>style.visibility</p:attrName>
-                                        </p:attrNameLst>
-                                      </p:cBhvr>
-                                      <p:to>
-                                        <p:strVal val="visible"/>
-                                      </p:to>
-                                    </p:set>
-                                    <p:animEffect transition="in" filter="blinds(horizontal)">
-                                      <p:cBhvr>
-                                        <p:cTn id="12" dur="500"/>
-                                        <p:tgtEl>
-                                          <p:spTgt spid="14"/>
-                                        </p:tgtEl>
-                                      </p:cBhvr>
-                                    </p:animEffect>
-                                  </p:childTnLst>
-                                </p:cTn>
-                              </p:par>
-                            </p:childTnLst>
-                          </p:cTn>
-                        </p:par>
-                      </p:childTnLst>
-                    </p:cTn>
-                  </p:par>
-                </p:childTnLst>
-              </p:cTn>
-              <p:prevCondLst>
-                <p:cond evt="onPrev" delay="0">
-                  <p:tgtEl>
-                    <p:sldTgt/>
-                  </p:tgtEl>
-                </p:cond>
-              </p:prevCondLst>
-              <p:nextCondLst>
-                <p:cond evt="onNext" delay="0">
-                  <p:tgtEl>
-                    <p:sldTgt/>
-                  </p:tgtEl>
-                </p:cond>
-              </p:nextCondLst>
-            </p:seq>
-          </p:childTnLst>
-        </p:cTn>
-      </p:par>
-    </p:tnLst>
-    <p:bldLst>
-      <p:bldP spid="13" grpId="0"/>
-      <p:bldP spid="14" grpId="0"/>
-    </p:bldLst>
-  </p:timing>
 </p:sld>
 </file>
 
@@ -5536,62 +5077,6 @@
           </a:p>
         </p:txBody>
       </p:sp>
-      <p:sp>
-        <p:nvSpPr>
-          <p:cNvPr id="2" name="Title 1">
-            <a:extLst>
-              <a:ext uri="{FF2B5EF4-FFF2-40B4-BE49-F238E27FC236}">
-                <a16:creationId xmlns:a16="http://schemas.microsoft.com/office/drawing/2014/main" id="{72391006-B58D-714F-AC19-A3032E158077}"/>
-              </a:ext>
-            </a:extLst>
-          </p:cNvPr>
-          <p:cNvSpPr>
-            <a:spLocks noGrp="1"/>
-          </p:cNvSpPr>
-          <p:nvPr>
-            <p:ph type="ctrTitle"/>
-          </p:nvPr>
-        </p:nvSpPr>
-        <p:spPr>
-          <a:xfrm>
-            <a:off x="527148" y="94323"/>
-            <a:ext cx="6671093" cy="523220"/>
-          </a:xfrm>
-        </p:spPr>
-        <p:txBody>
-          <a:bodyPr anchor="ctr">
-            <a:noAutofit/>
-          </a:bodyPr>
-          <a:lstStyle/>
-          <a:p>
-            <a:pPr algn="l"/>
-            <a:r>
-              <a:rPr lang="en-US" altLang="zh-CN" sz="3600" b="1" dirty="0">
-                <a:solidFill>
-                  <a:schemeClr val="bg1"/>
-                </a:solidFill>
-                <a:latin typeface="+mn-lt"/>
-              </a:rPr>
-              <a:t>2.</a:t>
-            </a:r>
-            <a:r>
-              <a:rPr lang="zh-CN" altLang="en-US" sz="3600" b="1" dirty="0">
-                <a:solidFill>
-                  <a:schemeClr val="bg1"/>
-                </a:solidFill>
-                <a:latin typeface="+mn-lt"/>
-              </a:rPr>
-              <a:t> 探究探究原理？</a:t>
-            </a:r>
-            <a:endParaRPr lang="en-CN" sz="3600" b="1" dirty="0">
-              <a:solidFill>
-                <a:schemeClr val="bg1"/>
-              </a:solidFill>
-              <a:latin typeface="+mn-lt"/>
-            </a:endParaRPr>
-          </a:p>
-        </p:txBody>
-      </p:sp>
       <p:cxnSp>
         <p:nvCxnSpPr>
           <p:cNvPr id="32" name="Straight Connector 13">
@@ -5661,8 +5146,8 @@
         </p:nvSpPr>
         <p:spPr>
           <a:xfrm>
-            <a:off x="641773" y="1117449"/>
-            <a:ext cx="8555389" cy="1938992"/>
+            <a:off x="1485571" y="1379407"/>
+            <a:ext cx="7598615" cy="2677656"/>
           </a:xfrm>
           <a:prstGeom prst="rect">
             <a:avLst/>
@@ -5681,15 +5166,15 @@
                   <a:schemeClr val="bg1"/>
                 </a:solidFill>
               </a:rPr>
-              <a:t>问题</a:t>
-            </a:r>
-            <a:r>
-              <a:rPr lang="en-US" altLang="zh-CN" sz="2400" b="1" dirty="0">
-                <a:solidFill>
-                  <a:schemeClr val="bg1"/>
-                </a:solidFill>
-              </a:rPr>
-              <a:t>1</a:t>
+              <a:t>咋一看可能无从下手，但只要我们跟随着 </a:t>
+            </a:r>
+            <a:r>
+              <a:rPr lang="en" altLang="zh-CN" sz="2400" b="1" dirty="0">
+                <a:solidFill>
+                  <a:schemeClr val="bg1"/>
+                </a:solidFill>
+              </a:rPr>
+              <a:t>Promises/A+ </a:t>
             </a:r>
             <a:r>
               <a:rPr lang="zh-CN" altLang="en-US" sz="2400" b="1" dirty="0">
@@ -5697,15 +5182,15 @@
                   <a:schemeClr val="bg1"/>
                 </a:solidFill>
               </a:rPr>
-              <a:t>： 如何在标签中识别出哪些是变量？哪些是 </a:t>
-            </a:r>
-            <a:r>
-              <a:rPr lang="en-US" altLang="zh-CN" sz="2400" b="1" dirty="0" err="1">
-                <a:solidFill>
-                  <a:schemeClr val="bg1"/>
-                </a:solidFill>
-              </a:rPr>
-              <a:t>js</a:t>
+              <a:t>规范一步一步地实现，你会发现，原来实现一个 </a:t>
+            </a:r>
+            <a:r>
+              <a:rPr lang="en" altLang="zh-CN" sz="2400" b="1" dirty="0">
+                <a:solidFill>
+                  <a:schemeClr val="bg1"/>
+                </a:solidFill>
+              </a:rPr>
+              <a:t>Promise </a:t>
             </a:r>
             <a:r>
               <a:rPr lang="zh-CN" altLang="en-US" sz="2400" b="1" dirty="0">
@@ -5713,7 +5198,7 @@
                   <a:schemeClr val="bg1"/>
                 </a:solidFill>
               </a:rPr>
-              <a:t> 语句？</a:t>
+              <a:t>是如此的简单。</a:t>
             </a:r>
             <a:endParaRPr lang="en-US" altLang="zh-CN" sz="2400" b="1" dirty="0">
               <a:solidFill>
@@ -5722,22 +5207,14 @@
             </a:endParaRPr>
           </a:p>
           <a:p>
-            <a:endParaRPr kumimoji="1" lang="en-US" altLang="zh-CN" sz="2400" b="1" dirty="0">
+            <a:endParaRPr lang="en-US" altLang="zh-CN" sz="2400" b="1" dirty="0">
               <a:solidFill>
                 <a:schemeClr val="bg1"/>
               </a:solidFill>
             </a:endParaRPr>
           </a:p>
           <a:p>
-            <a:r>
-              <a:rPr kumimoji="1" lang="zh-CN" altLang="en-US" sz="2400" b="1" dirty="0">
-                <a:solidFill>
-                  <a:schemeClr val="bg1"/>
-                </a:solidFill>
-              </a:rPr>
-              <a:t>基本思路： 正则</a:t>
-            </a:r>
-            <a:endParaRPr kumimoji="1" lang="en-US" altLang="zh-CN" sz="2400" b="1" dirty="0">
+            <a:endParaRPr lang="en-US" altLang="zh-CN" sz="2400" b="1" dirty="0">
               <a:solidFill>
                 <a:schemeClr val="bg1"/>
               </a:solidFill>
@@ -5745,54 +5222,24 @@
           </a:p>
           <a:p>
             <a:r>
-              <a:rPr kumimoji="1" lang="en-US" altLang="zh-CN" sz="2400" b="1" dirty="0">
-                <a:solidFill>
-                  <a:schemeClr val="bg1"/>
-                </a:solidFill>
-              </a:rPr>
-              <a:t>	1.</a:t>
-            </a:r>
-            <a:r>
-              <a:rPr kumimoji="1" lang="zh-CN" altLang="en-US" sz="2400" b="1" dirty="0">
-                <a:solidFill>
-                  <a:schemeClr val="bg1"/>
-                </a:solidFill>
-              </a:rPr>
-              <a:t> </a:t>
-            </a:r>
-            <a:r>
-              <a:rPr kumimoji="1" lang="en-US" altLang="zh-CN" sz="2400" b="1" dirty="0">
-                <a:solidFill>
-                  <a:schemeClr val="bg1"/>
-                </a:solidFill>
-              </a:rPr>
-              <a:t>{{</a:t>
-            </a:r>
-            <a:r>
-              <a:rPr kumimoji="1" lang="zh-CN" altLang="en-US" sz="2400" b="1" dirty="0">
-                <a:solidFill>
-                  <a:schemeClr val="bg1"/>
-                </a:solidFill>
-              </a:rPr>
-              <a:t> </a:t>
-            </a:r>
-            <a:r>
-              <a:rPr kumimoji="1" lang="en-US" altLang="zh-CN" sz="2400" b="1" dirty="0">
-                <a:solidFill>
-                  <a:schemeClr val="bg1"/>
-                </a:solidFill>
-              </a:rPr>
-              <a:t>}}</a:t>
-            </a:r>
-            <a:r>
-              <a:rPr kumimoji="1" lang="zh-CN" altLang="en-US" sz="2400" b="1" dirty="0">
-                <a:solidFill>
-                  <a:schemeClr val="bg1"/>
-                </a:solidFill>
-              </a:rPr>
-              <a:t> 为变量</a:t>
-            </a:r>
-            <a:endParaRPr kumimoji="1" lang="en-US" altLang="zh-CN" sz="2400" b="1" dirty="0">
+              <a:rPr lang="en-US" altLang="zh-CN" sz="2400" b="1" dirty="0">
+                <a:solidFill>
+                  <a:schemeClr val="bg1"/>
+                </a:solidFill>
+                <a:hlinkClick r:id="rId3"/>
+              </a:rPr>
+              <a:t>Promises/A+</a:t>
+            </a:r>
+            <a:r>
+              <a:rPr lang="zh-CN" altLang="en-US" sz="2400" b="1" dirty="0">
+                <a:solidFill>
+                  <a:schemeClr val="bg1"/>
+                </a:solidFill>
+                <a:hlinkClick r:id="rId3"/>
+              </a:rPr>
+              <a:t> 原文</a:t>
+            </a:r>
+            <a:endParaRPr lang="en-US" altLang="zh-CN" sz="2400" b="1" dirty="0">
               <a:solidFill>
                 <a:schemeClr val="bg1"/>
               </a:solidFill>
@@ -5800,70 +5247,28 @@
           </a:p>
           <a:p>
             <a:r>
-              <a:rPr kumimoji="1" lang="en-US" altLang="zh-CN" sz="2400" b="1" dirty="0">
-                <a:solidFill>
-                  <a:schemeClr val="bg1"/>
-                </a:solidFill>
-              </a:rPr>
-              <a:t>	2.</a:t>
-            </a:r>
-            <a:r>
-              <a:rPr kumimoji="1" lang="zh-CN" altLang="en-US" sz="2400" b="1" dirty="0">
-                <a:solidFill>
-                  <a:schemeClr val="bg1"/>
-                </a:solidFill>
-              </a:rPr>
-              <a:t> </a:t>
-            </a:r>
-            <a:r>
-              <a:rPr kumimoji="1" lang="en-US" altLang="zh-CN" sz="2400" b="1" dirty="0">
-                <a:solidFill>
-                  <a:schemeClr val="bg1"/>
-                </a:solidFill>
-              </a:rPr>
-              <a:t>{%</a:t>
-            </a:r>
-            <a:r>
-              <a:rPr kumimoji="1" lang="zh-CN" altLang="en-US" sz="2400" b="1" dirty="0">
-                <a:solidFill>
-                  <a:schemeClr val="bg1"/>
-                </a:solidFill>
-              </a:rPr>
-              <a:t> </a:t>
-            </a:r>
-            <a:r>
-              <a:rPr kumimoji="1" lang="en-US" altLang="zh-CN" sz="2400" b="1" dirty="0">
-                <a:solidFill>
-                  <a:schemeClr val="bg1"/>
-                </a:solidFill>
-              </a:rPr>
-              <a:t>%}</a:t>
-            </a:r>
-            <a:r>
-              <a:rPr kumimoji="1" lang="zh-CN" altLang="en-US" sz="2400" b="1" dirty="0">
-                <a:solidFill>
-                  <a:schemeClr val="bg1"/>
-                </a:solidFill>
-              </a:rPr>
-              <a:t> 为 </a:t>
-            </a:r>
-            <a:r>
-              <a:rPr kumimoji="1" lang="en-US" altLang="zh-CN" sz="2400" b="1" dirty="0" err="1">
-                <a:solidFill>
-                  <a:schemeClr val="bg1"/>
-                </a:solidFill>
-              </a:rPr>
-              <a:t>js</a:t>
-            </a:r>
-            <a:r>
-              <a:rPr kumimoji="1" lang="zh-CN" altLang="en-US" sz="2400" b="1" dirty="0">
-                <a:solidFill>
-                  <a:schemeClr val="bg1"/>
-                </a:solidFill>
-              </a:rPr>
-              <a:t> 语句</a:t>
-            </a:r>
-            <a:endParaRPr kumimoji="1" lang="zh-CN" altLang="en-US" sz="2400" dirty="0"/>
+              <a:rPr lang="en-US" altLang="zh-CN" sz="2400" b="1" dirty="0">
+                <a:solidFill>
+                  <a:schemeClr val="bg1"/>
+                </a:solidFill>
+                <a:hlinkClick r:id="rId4"/>
+              </a:rPr>
+              <a:t>Promises/A+</a:t>
+            </a:r>
+            <a:r>
+              <a:rPr lang="zh-CN" altLang="en-US" sz="2400" b="1" dirty="0">
+                <a:solidFill>
+                  <a:schemeClr val="bg1"/>
+                </a:solidFill>
+                <a:hlinkClick r:id="rId4"/>
+              </a:rPr>
+              <a:t> 规范（中文翻译）</a:t>
+            </a:r>
+            <a:endParaRPr lang="zh-CN" altLang="en-US" sz="2400" b="1" dirty="0">
+              <a:solidFill>
+                <a:schemeClr val="bg1"/>
+              </a:solidFill>
+            </a:endParaRPr>
           </a:p>
         </p:txBody>
       </p:sp>
@@ -5931,193 +5336,109 @@
           </a:p>
         </p:txBody>
       </p:sp>
+      <p:sp>
+        <p:nvSpPr>
+          <p:cNvPr id="15" name="Title 1">
+            <a:extLst>
+              <a:ext uri="{FF2B5EF4-FFF2-40B4-BE49-F238E27FC236}">
+                <a16:creationId xmlns:a16="http://schemas.microsoft.com/office/drawing/2014/main" id="{C19077E5-BB8D-394D-9D0E-4D40219EB876}"/>
+              </a:ext>
+            </a:extLst>
+          </p:cNvPr>
+          <p:cNvSpPr txBox="1">
+            <a:spLocks/>
+          </p:cNvSpPr>
+          <p:nvPr/>
+        </p:nvSpPr>
+        <p:spPr>
+          <a:xfrm>
+            <a:off x="527148" y="122151"/>
+            <a:ext cx="6671093" cy="523220"/>
+          </a:xfrm>
+          <a:prstGeom prst="rect">
+            <a:avLst/>
+          </a:prstGeom>
+        </p:spPr>
+        <p:txBody>
+          <a:bodyPr vert="horz" lIns="91440" tIns="45720" rIns="91440" bIns="45720" rtlCol="0" anchor="ctr">
+            <a:noAutofit/>
+          </a:bodyPr>
+          <a:lstStyle>
+            <a:lvl1pPr algn="ctr" defTabSz="914400" rtl="0" eaLnBrk="1" latinLnBrk="0" hangingPunct="1">
+              <a:lnSpc>
+                <a:spcPct val="90000"/>
+              </a:lnSpc>
+              <a:spcBef>
+                <a:spcPct val="0"/>
+              </a:spcBef>
+              <a:buNone/>
+              <a:defRPr sz="6000" kern="1200">
+                <a:solidFill>
+                  <a:schemeClr val="tx1"/>
+                </a:solidFill>
+                <a:latin typeface="+mj-lt"/>
+                <a:ea typeface="+mj-ea"/>
+                <a:cs typeface="+mj-cs"/>
+              </a:defRPr>
+            </a:lvl1pPr>
+          </a:lstStyle>
+          <a:p>
+            <a:pPr algn="l"/>
+            <a:r>
+              <a:rPr lang="en-US" altLang="zh-CN" sz="3600" b="1" dirty="0">
+                <a:solidFill>
+                  <a:schemeClr val="bg1"/>
+                </a:solidFill>
+                <a:latin typeface="+mn-lt"/>
+              </a:rPr>
+              <a:t>2.</a:t>
+            </a:r>
+            <a:r>
+              <a:rPr lang="zh-CN" altLang="en-US" sz="3600" b="1" dirty="0">
+                <a:solidFill>
+                  <a:schemeClr val="bg1"/>
+                </a:solidFill>
+                <a:latin typeface="+mn-lt"/>
+              </a:rPr>
+              <a:t> </a:t>
+            </a:r>
+            <a:r>
+              <a:rPr lang="en-US" altLang="zh-CN" sz="3600" b="1" dirty="0">
+                <a:solidFill>
+                  <a:schemeClr val="bg1"/>
+                </a:solidFill>
+                <a:latin typeface="+mn-lt"/>
+              </a:rPr>
+              <a:t>Promises/A+</a:t>
+            </a:r>
+            <a:r>
+              <a:rPr lang="zh-CN" altLang="en-US" sz="3600" b="1" dirty="0">
+                <a:solidFill>
+                  <a:schemeClr val="bg1"/>
+                </a:solidFill>
+                <a:latin typeface="+mn-lt"/>
+              </a:rPr>
+              <a:t> 规范</a:t>
+            </a:r>
+            <a:endParaRPr lang="en-CN" sz="3600" b="1" dirty="0">
+              <a:solidFill>
+                <a:schemeClr val="bg1"/>
+              </a:solidFill>
+              <a:latin typeface="+mn-lt"/>
+            </a:endParaRPr>
+          </a:p>
+        </p:txBody>
+      </p:sp>
     </p:spTree>
     <p:extLst>
       <p:ext uri="{BB962C8B-B14F-4D97-AF65-F5344CB8AC3E}">
-        <p14:creationId xmlns:p14="http://schemas.microsoft.com/office/powerpoint/2010/main" val="916881275"/>
+        <p14:creationId xmlns:p14="http://schemas.microsoft.com/office/powerpoint/2010/main" val="1863730798"/>
       </p:ext>
     </p:extLst>
   </p:cSld>
   <p:clrMapOvr>
     <a:masterClrMapping/>
   </p:clrMapOvr>
-  <p:timing>
-    <p:tnLst>
-      <p:par>
-        <p:cTn id="1" dur="indefinite" restart="never" nodeType="tmRoot">
-          <p:childTnLst>
-            <p:seq concurrent="1" nextAc="seek">
-              <p:cTn id="2" dur="indefinite" nodeType="mainSeq">
-                <p:childTnLst>
-                  <p:par>
-                    <p:cTn id="3" fill="hold">
-                      <p:stCondLst>
-                        <p:cond delay="indefinite"/>
-                      </p:stCondLst>
-                      <p:childTnLst>
-                        <p:par>
-                          <p:cTn id="4" fill="hold">
-                            <p:stCondLst>
-                              <p:cond delay="0"/>
-                            </p:stCondLst>
-                            <p:childTnLst>
-                              <p:par>
-                                <p:cTn id="5" presetID="3" presetClass="entr" presetSubtype="10" fill="hold" nodeType="clickEffect">
-                                  <p:stCondLst>
-                                    <p:cond delay="0"/>
-                                  </p:stCondLst>
-                                  <p:childTnLst>
-                                    <p:set>
-                                      <p:cBhvr>
-                                        <p:cTn id="6" dur="1" fill="hold">
-                                          <p:stCondLst>
-                                            <p:cond delay="0"/>
-                                          </p:stCondLst>
-                                        </p:cTn>
-                                        <p:tgtEl>
-                                          <p:spTgt spid="5">
-                                            <p:txEl>
-                                              <p:pRg st="2" end="2"/>
-                                            </p:txEl>
-                                          </p:spTgt>
-                                        </p:tgtEl>
-                                        <p:attrNameLst>
-                                          <p:attrName>style.visibility</p:attrName>
-                                        </p:attrNameLst>
-                                      </p:cBhvr>
-                                      <p:to>
-                                        <p:strVal val="visible"/>
-                                      </p:to>
-                                    </p:set>
-                                    <p:animEffect transition="in" filter="blinds(horizontal)">
-                                      <p:cBhvr>
-                                        <p:cTn id="7" dur="500"/>
-                                        <p:tgtEl>
-                                          <p:spTgt spid="5">
-                                            <p:txEl>
-                                              <p:pRg st="2" end="2"/>
-                                            </p:txEl>
-                                          </p:spTgt>
-                                        </p:tgtEl>
-                                      </p:cBhvr>
-                                    </p:animEffect>
-                                  </p:childTnLst>
-                                </p:cTn>
-                              </p:par>
-                              <p:par>
-                                <p:cTn id="8" presetID="3" presetClass="entr" presetSubtype="10" fill="hold" nodeType="withEffect">
-                                  <p:stCondLst>
-                                    <p:cond delay="0"/>
-                                  </p:stCondLst>
-                                  <p:childTnLst>
-                                    <p:set>
-                                      <p:cBhvr>
-                                        <p:cTn id="9" dur="1" fill="hold">
-                                          <p:stCondLst>
-                                            <p:cond delay="0"/>
-                                          </p:stCondLst>
-                                        </p:cTn>
-                                        <p:tgtEl>
-                                          <p:spTgt spid="5">
-                                            <p:txEl>
-                                              <p:pRg st="3" end="3"/>
-                                            </p:txEl>
-                                          </p:spTgt>
-                                        </p:tgtEl>
-                                        <p:attrNameLst>
-                                          <p:attrName>style.visibility</p:attrName>
-                                        </p:attrNameLst>
-                                      </p:cBhvr>
-                                      <p:to>
-                                        <p:strVal val="visible"/>
-                                      </p:to>
-                                    </p:set>
-                                    <p:animEffect transition="in" filter="blinds(horizontal)">
-                                      <p:cBhvr>
-                                        <p:cTn id="10" dur="500"/>
-                                        <p:tgtEl>
-                                          <p:spTgt spid="5">
-                                            <p:txEl>
-                                              <p:pRg st="3" end="3"/>
-                                            </p:txEl>
-                                          </p:spTgt>
-                                        </p:tgtEl>
-                                      </p:cBhvr>
-                                    </p:animEffect>
-                                  </p:childTnLst>
-                                </p:cTn>
-                              </p:par>
-                              <p:par>
-                                <p:cTn id="11" presetID="3" presetClass="entr" presetSubtype="10" fill="hold" nodeType="withEffect">
-                                  <p:stCondLst>
-                                    <p:cond delay="0"/>
-                                  </p:stCondLst>
-                                  <p:childTnLst>
-                                    <p:set>
-                                      <p:cBhvr>
-                                        <p:cTn id="12" dur="1" fill="hold">
-                                          <p:stCondLst>
-                                            <p:cond delay="0"/>
-                                          </p:stCondLst>
-                                        </p:cTn>
-                                        <p:tgtEl>
-                                          <p:spTgt spid="5">
-                                            <p:txEl>
-                                              <p:pRg st="4" end="4"/>
-                                            </p:txEl>
-                                          </p:spTgt>
-                                        </p:tgtEl>
-                                        <p:attrNameLst>
-                                          <p:attrName>style.visibility</p:attrName>
-                                        </p:attrNameLst>
-                                      </p:cBhvr>
-                                      <p:to>
-                                        <p:strVal val="visible"/>
-                                      </p:to>
-                                    </p:set>
-                                    <p:animEffect transition="in" filter="blinds(horizontal)">
-                                      <p:cBhvr>
-                                        <p:cTn id="13" dur="500"/>
-                                        <p:tgtEl>
-                                          <p:spTgt spid="5">
-                                            <p:txEl>
-                                              <p:pRg st="4" end="4"/>
-                                            </p:txEl>
-                                          </p:spTgt>
-                                        </p:tgtEl>
-                                      </p:cBhvr>
-                                    </p:animEffect>
-                                  </p:childTnLst>
-                                </p:cTn>
-                              </p:par>
-                            </p:childTnLst>
-                          </p:cTn>
-                        </p:par>
-                      </p:childTnLst>
-                    </p:cTn>
-                  </p:par>
-                </p:childTnLst>
-              </p:cTn>
-              <p:prevCondLst>
-                <p:cond evt="onPrev" delay="0">
-                  <p:tgtEl>
-                    <p:sldTgt/>
-                  </p:tgtEl>
-                </p:cond>
-              </p:prevCondLst>
-              <p:nextCondLst>
-                <p:cond evt="onNext" delay="0">
-                  <p:tgtEl>
-                    <p:sldTgt/>
-                  </p:tgtEl>
-                </p:cond>
-              </p:nextCondLst>
-            </p:seq>
-          </p:childTnLst>
-        </p:cTn>
-      </p:par>
-    </p:tnLst>
-  </p:timing>
 </p:sld>
 </file>
 
@@ -6338,62 +5659,6 @@
           </a:p>
         </p:txBody>
       </p:sp>
-      <p:sp>
-        <p:nvSpPr>
-          <p:cNvPr id="2" name="Title 1">
-            <a:extLst>
-              <a:ext uri="{FF2B5EF4-FFF2-40B4-BE49-F238E27FC236}">
-                <a16:creationId xmlns:a16="http://schemas.microsoft.com/office/drawing/2014/main" id="{72391006-B58D-714F-AC19-A3032E158077}"/>
-              </a:ext>
-            </a:extLst>
-          </p:cNvPr>
-          <p:cNvSpPr>
-            <a:spLocks noGrp="1"/>
-          </p:cNvSpPr>
-          <p:nvPr>
-            <p:ph type="ctrTitle"/>
-          </p:nvPr>
-        </p:nvSpPr>
-        <p:spPr>
-          <a:xfrm>
-            <a:off x="527148" y="94323"/>
-            <a:ext cx="6671093" cy="523220"/>
-          </a:xfrm>
-        </p:spPr>
-        <p:txBody>
-          <a:bodyPr anchor="ctr">
-            <a:noAutofit/>
-          </a:bodyPr>
-          <a:lstStyle/>
-          <a:p>
-            <a:pPr algn="l"/>
-            <a:r>
-              <a:rPr lang="en-US" altLang="zh-CN" sz="3600" b="1" dirty="0">
-                <a:solidFill>
-                  <a:schemeClr val="bg1"/>
-                </a:solidFill>
-                <a:latin typeface="+mn-lt"/>
-              </a:rPr>
-              <a:t>2.</a:t>
-            </a:r>
-            <a:r>
-              <a:rPr lang="zh-CN" altLang="en-US" sz="3600" b="1" dirty="0">
-                <a:solidFill>
-                  <a:schemeClr val="bg1"/>
-                </a:solidFill>
-                <a:latin typeface="+mn-lt"/>
-              </a:rPr>
-              <a:t> 探究探究原理？</a:t>
-            </a:r>
-            <a:endParaRPr lang="en-CN" sz="3600" b="1" dirty="0">
-              <a:solidFill>
-                <a:schemeClr val="bg1"/>
-              </a:solidFill>
-              <a:latin typeface="+mn-lt"/>
-            </a:endParaRPr>
-          </a:p>
-        </p:txBody>
-      </p:sp>
       <p:cxnSp>
         <p:nvCxnSpPr>
           <p:cNvPr id="32" name="Straight Connector 13">
@@ -6463,8 +5728,8 @@
         </p:nvSpPr>
         <p:spPr>
           <a:xfrm>
-            <a:off x="641773" y="1117449"/>
-            <a:ext cx="8555389" cy="1938992"/>
+            <a:off x="1485571" y="1379407"/>
+            <a:ext cx="7598615" cy="461665"/>
           </a:xfrm>
           <a:prstGeom prst="rect">
             <a:avLst/>
@@ -6483,7 +5748,7 @@
                   <a:schemeClr val="bg1"/>
                 </a:solidFill>
               </a:rPr>
-              <a:t>问题</a:t>
+              <a:t>完全参照 </a:t>
             </a:r>
             <a:r>
               <a:rPr lang="en-US" altLang="zh-CN" sz="2400" b="1" dirty="0">
@@ -6491,7 +5756,7 @@
                   <a:schemeClr val="bg1"/>
                 </a:solidFill>
               </a:rPr>
-              <a:t>2</a:t>
+              <a:t>Promises/A+</a:t>
             </a:r>
             <a:r>
               <a:rPr lang="zh-CN" altLang="en-US" sz="2400" b="1" dirty="0">
@@ -6499,124 +5764,8 @@
                   <a:schemeClr val="bg1"/>
                 </a:solidFill>
               </a:rPr>
-              <a:t>： 如何将标签中写的变量替换成变量值？</a:t>
-            </a:r>
-            <a:endParaRPr kumimoji="1" lang="zh-CN" altLang="en-US" sz="2400" dirty="0"/>
-          </a:p>
-          <a:p>
-            <a:endParaRPr kumimoji="1" lang="en-US" altLang="zh-CN" sz="2400" b="1" dirty="0">
-              <a:solidFill>
-                <a:schemeClr val="bg1"/>
-              </a:solidFill>
-            </a:endParaRPr>
-          </a:p>
-          <a:p>
-            <a:r>
-              <a:rPr kumimoji="1" lang="zh-CN" altLang="en-US" sz="2400" b="1" dirty="0">
-                <a:solidFill>
-                  <a:schemeClr val="bg1"/>
-                </a:solidFill>
-              </a:rPr>
-              <a:t>基本思路： </a:t>
-            </a:r>
-            <a:endParaRPr kumimoji="1" lang="en-US" altLang="zh-CN" sz="2400" b="1" dirty="0">
-              <a:solidFill>
-                <a:schemeClr val="bg1"/>
-              </a:solidFill>
-            </a:endParaRPr>
-          </a:p>
-          <a:p>
-            <a:r>
-              <a:rPr kumimoji="1" lang="en-US" altLang="zh-CN" sz="2400" b="1" dirty="0">
-                <a:solidFill>
-                  <a:schemeClr val="bg1"/>
-                </a:solidFill>
-              </a:rPr>
-              <a:t>	1.</a:t>
-            </a:r>
-            <a:r>
-              <a:rPr kumimoji="1" lang="zh-CN" altLang="en-US" sz="2400" b="1" dirty="0">
-                <a:solidFill>
-                  <a:schemeClr val="bg1"/>
-                </a:solidFill>
-              </a:rPr>
-              <a:t> 函数传参 </a:t>
-            </a:r>
-            <a:r>
-              <a:rPr kumimoji="1" lang="en-US" altLang="zh-CN" sz="2400" b="1" dirty="0">
-                <a:solidFill>
-                  <a:schemeClr val="bg1"/>
-                </a:solidFill>
-              </a:rPr>
-              <a:t>new</a:t>
-            </a:r>
-            <a:r>
-              <a:rPr kumimoji="1" lang="zh-CN" altLang="en-US" sz="2400" b="1" dirty="0">
-                <a:solidFill>
-                  <a:schemeClr val="bg1"/>
-                </a:solidFill>
-              </a:rPr>
-              <a:t> </a:t>
-            </a:r>
-            <a:r>
-              <a:rPr kumimoji="1" lang="en-US" altLang="zh-CN" sz="2400" b="1" dirty="0">
-                <a:solidFill>
-                  <a:schemeClr val="bg1"/>
-                </a:solidFill>
-              </a:rPr>
-              <a:t>Function(”</a:t>
-            </a:r>
-            <a:r>
-              <a:rPr kumimoji="1" lang="zh-CN" altLang="en-US" sz="2400" b="1" dirty="0">
-                <a:solidFill>
-                  <a:schemeClr val="bg1"/>
-                </a:solidFill>
-              </a:rPr>
-              <a:t>参数名</a:t>
-            </a:r>
-            <a:r>
-              <a:rPr kumimoji="1" lang="en-US" altLang="zh-CN" sz="2400" b="1" dirty="0">
-                <a:solidFill>
-                  <a:schemeClr val="bg1"/>
-                </a:solidFill>
-              </a:rPr>
-              <a:t>”</a:t>
-            </a:r>
-            <a:r>
-              <a:rPr kumimoji="1" lang="zh-CN" altLang="en-US" sz="2400" b="1" dirty="0">
-                <a:solidFill>
-                  <a:schemeClr val="bg1"/>
-                </a:solidFill>
-              </a:rPr>
-              <a:t>， 函数内容字符串</a:t>
-            </a:r>
-            <a:r>
-              <a:rPr kumimoji="1" lang="en-US" altLang="zh-CN" sz="2400" b="1" dirty="0">
-                <a:solidFill>
-                  <a:schemeClr val="bg1"/>
-                </a:solidFill>
-              </a:rPr>
-              <a:t>)</a:t>
-            </a:r>
-          </a:p>
-          <a:p>
-            <a:r>
-              <a:rPr kumimoji="1" lang="en-US" altLang="zh-CN" sz="2400" b="1" dirty="0">
-                <a:solidFill>
-                  <a:schemeClr val="bg1"/>
-                </a:solidFill>
-              </a:rPr>
-              <a:t>	2.</a:t>
-            </a:r>
-            <a:r>
-              <a:rPr kumimoji="1" lang="zh-CN" altLang="en-US" sz="2400" b="1" dirty="0">
-                <a:solidFill>
-                  <a:schemeClr val="bg1"/>
-                </a:solidFill>
-              </a:rPr>
-              <a:t> 模板字符串</a:t>
-            </a:r>
-            <a:endParaRPr kumimoji="1" lang="zh-CN" altLang="en-US" sz="2400" dirty="0"/>
+              <a:t> 规范来实现</a:t>
+            </a:r>
           </a:p>
         </p:txBody>
       </p:sp>
@@ -6684,211 +5833,100 @@
           </a:p>
         </p:txBody>
       </p:sp>
+      <p:sp>
+        <p:nvSpPr>
+          <p:cNvPr id="15" name="Title 1">
+            <a:extLst>
+              <a:ext uri="{FF2B5EF4-FFF2-40B4-BE49-F238E27FC236}">
+                <a16:creationId xmlns:a16="http://schemas.microsoft.com/office/drawing/2014/main" id="{C19077E5-BB8D-394D-9D0E-4D40219EB876}"/>
+              </a:ext>
+            </a:extLst>
+          </p:cNvPr>
+          <p:cNvSpPr txBox="1">
+            <a:spLocks/>
+          </p:cNvSpPr>
+          <p:nvPr/>
+        </p:nvSpPr>
+        <p:spPr>
+          <a:xfrm>
+            <a:off x="527148" y="122151"/>
+            <a:ext cx="6671093" cy="523220"/>
+          </a:xfrm>
+          <a:prstGeom prst="rect">
+            <a:avLst/>
+          </a:prstGeom>
+        </p:spPr>
+        <p:txBody>
+          <a:bodyPr vert="horz" lIns="91440" tIns="45720" rIns="91440" bIns="45720" rtlCol="0" anchor="ctr">
+            <a:noAutofit/>
+          </a:bodyPr>
+          <a:lstStyle>
+            <a:lvl1pPr algn="ctr" defTabSz="914400" rtl="0" eaLnBrk="1" latinLnBrk="0" hangingPunct="1">
+              <a:lnSpc>
+                <a:spcPct val="90000"/>
+              </a:lnSpc>
+              <a:spcBef>
+                <a:spcPct val="0"/>
+              </a:spcBef>
+              <a:buNone/>
+              <a:defRPr sz="6000" kern="1200">
+                <a:solidFill>
+                  <a:schemeClr val="tx1"/>
+                </a:solidFill>
+                <a:latin typeface="+mj-lt"/>
+                <a:ea typeface="+mj-ea"/>
+                <a:cs typeface="+mj-cs"/>
+              </a:defRPr>
+            </a:lvl1pPr>
+          </a:lstStyle>
+          <a:p>
+            <a:pPr algn="l"/>
+            <a:r>
+              <a:rPr lang="en-US" altLang="zh-CN" sz="3600" b="1" dirty="0">
+                <a:solidFill>
+                  <a:schemeClr val="bg1"/>
+                </a:solidFill>
+                <a:latin typeface="+mn-lt"/>
+              </a:rPr>
+              <a:t>3.</a:t>
+            </a:r>
+            <a:r>
+              <a:rPr lang="zh-CN" altLang="en-US" sz="3600" b="1" dirty="0">
+                <a:solidFill>
+                  <a:schemeClr val="bg1"/>
+                </a:solidFill>
+                <a:latin typeface="+mn-lt"/>
+              </a:rPr>
+              <a:t> 手写基础版 </a:t>
+            </a:r>
+            <a:r>
+              <a:rPr lang="en-US" altLang="zh-CN" sz="3600" b="1" dirty="0">
+                <a:solidFill>
+                  <a:schemeClr val="bg1"/>
+                </a:solidFill>
+                <a:latin typeface="+mn-lt"/>
+              </a:rPr>
+              <a:t>Promise</a:t>
+            </a:r>
+            <a:endParaRPr lang="en-CN" sz="3600" b="1" dirty="0">
+              <a:solidFill>
+                <a:schemeClr val="bg1"/>
+              </a:solidFill>
+              <a:latin typeface="+mn-lt"/>
+            </a:endParaRPr>
+          </a:p>
+        </p:txBody>
+      </p:sp>
     </p:spTree>
     <p:extLst>
       <p:ext uri="{BB962C8B-B14F-4D97-AF65-F5344CB8AC3E}">
-        <p14:creationId xmlns:p14="http://schemas.microsoft.com/office/powerpoint/2010/main" val="770152359"/>
+        <p14:creationId xmlns:p14="http://schemas.microsoft.com/office/powerpoint/2010/main" val="454456313"/>
       </p:ext>
     </p:extLst>
   </p:cSld>
   <p:clrMapOvr>
     <a:masterClrMapping/>
   </p:clrMapOvr>
-  <p:timing>
-    <p:tnLst>
-      <p:par>
-        <p:cTn id="1" dur="indefinite" restart="never" nodeType="tmRoot">
-          <p:childTnLst>
-            <p:seq concurrent="1" nextAc="seek">
-              <p:cTn id="2" dur="indefinite" nodeType="mainSeq">
-                <p:childTnLst>
-                  <p:par>
-                    <p:cTn id="3" fill="hold">
-                      <p:stCondLst>
-                        <p:cond delay="indefinite"/>
-                      </p:stCondLst>
-                      <p:childTnLst>
-                        <p:par>
-                          <p:cTn id="4" fill="hold">
-                            <p:stCondLst>
-                              <p:cond delay="0"/>
-                            </p:stCondLst>
-                            <p:childTnLst>
-                              <p:par>
-                                <p:cTn id="5" presetID="3" presetClass="entr" presetSubtype="10" fill="hold" nodeType="clickEffect">
-                                  <p:stCondLst>
-                                    <p:cond delay="0"/>
-                                  </p:stCondLst>
-                                  <p:childTnLst>
-                                    <p:set>
-                                      <p:cBhvr>
-                                        <p:cTn id="6" dur="1" fill="hold">
-                                          <p:stCondLst>
-                                            <p:cond delay="0"/>
-                                          </p:stCondLst>
-                                        </p:cTn>
-                                        <p:tgtEl>
-                                          <p:spTgt spid="5">
-                                            <p:txEl>
-                                              <p:pRg st="2" end="2"/>
-                                            </p:txEl>
-                                          </p:spTgt>
-                                        </p:tgtEl>
-                                        <p:attrNameLst>
-                                          <p:attrName>style.visibility</p:attrName>
-                                        </p:attrNameLst>
-                                      </p:cBhvr>
-                                      <p:to>
-                                        <p:strVal val="visible"/>
-                                      </p:to>
-                                    </p:set>
-                                    <p:animEffect transition="in" filter="blinds(horizontal)">
-                                      <p:cBhvr>
-                                        <p:cTn id="7" dur="500"/>
-                                        <p:tgtEl>
-                                          <p:spTgt spid="5">
-                                            <p:txEl>
-                                              <p:pRg st="2" end="2"/>
-                                            </p:txEl>
-                                          </p:spTgt>
-                                        </p:tgtEl>
-                                      </p:cBhvr>
-                                    </p:animEffect>
-                                  </p:childTnLst>
-                                </p:cTn>
-                              </p:par>
-                              <p:par>
-                                <p:cTn id="8" presetID="3" presetClass="entr" presetSubtype="10" fill="hold" nodeType="withEffect">
-                                  <p:stCondLst>
-                                    <p:cond delay="0"/>
-                                  </p:stCondLst>
-                                  <p:childTnLst>
-                                    <p:set>
-                                      <p:cBhvr>
-                                        <p:cTn id="9" dur="1" fill="hold">
-                                          <p:stCondLst>
-                                            <p:cond delay="0"/>
-                                          </p:stCondLst>
-                                        </p:cTn>
-                                        <p:tgtEl>
-                                          <p:spTgt spid="5">
-                                            <p:txEl>
-                                              <p:pRg st="3" end="3"/>
-                                            </p:txEl>
-                                          </p:spTgt>
-                                        </p:tgtEl>
-                                        <p:attrNameLst>
-                                          <p:attrName>style.visibility</p:attrName>
-                                        </p:attrNameLst>
-                                      </p:cBhvr>
-                                      <p:to>
-                                        <p:strVal val="visible"/>
-                                      </p:to>
-                                    </p:set>
-                                    <p:animEffect transition="in" filter="blinds(horizontal)">
-                                      <p:cBhvr>
-                                        <p:cTn id="10" dur="500"/>
-                                        <p:tgtEl>
-                                          <p:spTgt spid="5">
-                                            <p:txEl>
-                                              <p:pRg st="3" end="3"/>
-                                            </p:txEl>
-                                          </p:spTgt>
-                                        </p:tgtEl>
-                                      </p:cBhvr>
-                                    </p:animEffect>
-                                  </p:childTnLst>
-                                </p:cTn>
-                              </p:par>
-                            </p:childTnLst>
-                          </p:cTn>
-                        </p:par>
-                      </p:childTnLst>
-                    </p:cTn>
-                  </p:par>
-                  <p:par>
-                    <p:cTn id="11" fill="hold">
-                      <p:stCondLst>
-                        <p:cond delay="indefinite"/>
-                      </p:stCondLst>
-                      <p:childTnLst>
-                        <p:par>
-                          <p:cTn id="12" fill="hold">
-                            <p:stCondLst>
-                              <p:cond delay="0"/>
-                            </p:stCondLst>
-                            <p:childTnLst>
-                              <p:par>
-                                <p:cTn id="13" presetID="3" presetClass="entr" presetSubtype="10" fill="hold" nodeType="clickEffect">
-                                  <p:stCondLst>
-                                    <p:cond delay="0"/>
-                                  </p:stCondLst>
-                                  <p:childTnLst>
-                                    <p:set>
-                                      <p:cBhvr>
-                                        <p:cTn id="14" dur="1" fill="hold">
-                                          <p:stCondLst>
-                                            <p:cond delay="0"/>
-                                          </p:stCondLst>
-                                        </p:cTn>
-                                        <p:tgtEl>
-                                          <p:spTgt spid="5">
-                                            <p:txEl>
-                                              <p:pRg st="4" end="4"/>
-                                            </p:txEl>
-                                          </p:spTgt>
-                                        </p:tgtEl>
-                                        <p:attrNameLst>
-                                          <p:attrName>style.visibility</p:attrName>
-                                        </p:attrNameLst>
-                                      </p:cBhvr>
-                                      <p:to>
-                                        <p:strVal val="visible"/>
-                                      </p:to>
-                                    </p:set>
-                                    <p:animEffect transition="in" filter="blinds(horizontal)">
-                                      <p:cBhvr>
-                                        <p:cTn id="15" dur="500"/>
-                                        <p:tgtEl>
-                                          <p:spTgt spid="5">
-                                            <p:txEl>
-                                              <p:pRg st="4" end="4"/>
-                                            </p:txEl>
-                                          </p:spTgt>
-                                        </p:tgtEl>
-                                      </p:cBhvr>
-                                    </p:animEffect>
-                                  </p:childTnLst>
-                                </p:cTn>
-                              </p:par>
-                            </p:childTnLst>
-                          </p:cTn>
-                        </p:par>
-                      </p:childTnLst>
-                    </p:cTn>
-                  </p:par>
-                </p:childTnLst>
-              </p:cTn>
-              <p:prevCondLst>
-                <p:cond evt="onPrev" delay="0">
-                  <p:tgtEl>
-                    <p:sldTgt/>
-                  </p:tgtEl>
-                </p:cond>
-              </p:prevCondLst>
-              <p:nextCondLst>
-                <p:cond evt="onNext" delay="0">
-                  <p:tgtEl>
-                    <p:sldTgt/>
-                  </p:tgtEl>
-                </p:cond>
-              </p:nextCondLst>
-            </p:seq>
-          </p:childTnLst>
-        </p:cTn>
-      </p:par>
-    </p:tnLst>
-  </p:timing>
 </p:sld>
 </file>
 
@@ -7109,62 +6147,6 @@
           </a:p>
         </p:txBody>
       </p:sp>
-      <p:sp>
-        <p:nvSpPr>
-          <p:cNvPr id="2" name="Title 1">
-            <a:extLst>
-              <a:ext uri="{FF2B5EF4-FFF2-40B4-BE49-F238E27FC236}">
-                <a16:creationId xmlns:a16="http://schemas.microsoft.com/office/drawing/2014/main" id="{72391006-B58D-714F-AC19-A3032E158077}"/>
-              </a:ext>
-            </a:extLst>
-          </p:cNvPr>
-          <p:cNvSpPr>
-            <a:spLocks noGrp="1"/>
-          </p:cNvSpPr>
-          <p:nvPr>
-            <p:ph type="ctrTitle"/>
-          </p:nvPr>
-        </p:nvSpPr>
-        <p:spPr>
-          <a:xfrm>
-            <a:off x="527148" y="94323"/>
-            <a:ext cx="6671093" cy="523220"/>
-          </a:xfrm>
-        </p:spPr>
-        <p:txBody>
-          <a:bodyPr anchor="ctr">
-            <a:noAutofit/>
-          </a:bodyPr>
-          <a:lstStyle/>
-          <a:p>
-            <a:pPr algn="l"/>
-            <a:r>
-              <a:rPr lang="en-US" altLang="zh-CN" sz="3600" b="1" dirty="0">
-                <a:solidFill>
-                  <a:schemeClr val="bg1"/>
-                </a:solidFill>
-                <a:latin typeface="+mn-lt"/>
-              </a:rPr>
-              <a:t>2.</a:t>
-            </a:r>
-            <a:r>
-              <a:rPr lang="zh-CN" altLang="en-US" sz="3600" b="1" dirty="0">
-                <a:solidFill>
-                  <a:schemeClr val="bg1"/>
-                </a:solidFill>
-                <a:latin typeface="+mn-lt"/>
-              </a:rPr>
-              <a:t> 探究探究原理？</a:t>
-            </a:r>
-            <a:endParaRPr lang="en-CN" sz="3600" b="1" dirty="0">
-              <a:solidFill>
-                <a:schemeClr val="bg1"/>
-              </a:solidFill>
-              <a:latin typeface="+mn-lt"/>
-            </a:endParaRPr>
-          </a:p>
-        </p:txBody>
-      </p:sp>
       <p:cxnSp>
         <p:nvCxnSpPr>
           <p:cNvPr id="32" name="Straight Connector 13">
@@ -7222,6 +6204,61 @@
       </p:cxnSp>
       <p:sp>
         <p:nvSpPr>
+          <p:cNvPr id="5" name="文本框 4">
+            <a:extLst>
+              <a:ext uri="{FF2B5EF4-FFF2-40B4-BE49-F238E27FC236}">
+                <a16:creationId xmlns:a16="http://schemas.microsoft.com/office/drawing/2014/main" id="{5E074655-E206-5E46-A8B3-8CB6140CB64C}"/>
+              </a:ext>
+            </a:extLst>
+          </p:cNvPr>
+          <p:cNvSpPr txBox="1"/>
+          <p:nvPr/>
+        </p:nvSpPr>
+        <p:spPr>
+          <a:xfrm>
+            <a:off x="1485571" y="1379407"/>
+            <a:ext cx="7598615" cy="461665"/>
+          </a:xfrm>
+          <a:prstGeom prst="rect">
+            <a:avLst/>
+          </a:prstGeom>
+          <a:noFill/>
+        </p:spPr>
+        <p:txBody>
+          <a:bodyPr wrap="square" rtlCol="0">
+            <a:spAutoFit/>
+          </a:bodyPr>
+          <a:lstStyle/>
+          <a:p>
+            <a:r>
+              <a:rPr lang="zh-CN" altLang="en-US" sz="2400" b="1" dirty="0">
+                <a:solidFill>
+                  <a:schemeClr val="bg1"/>
+                </a:solidFill>
+              </a:rPr>
+              <a:t>完全参照 </a:t>
+            </a:r>
+            <a:r>
+              <a:rPr lang="en-US" altLang="zh-CN" sz="2400" b="1" dirty="0">
+                <a:solidFill>
+                  <a:schemeClr val="bg1"/>
+                </a:solidFill>
+              </a:rPr>
+              <a:t>Promises/A+</a:t>
+            </a:r>
+            <a:r>
+              <a:rPr lang="zh-CN" altLang="en-US" sz="2400" b="1" dirty="0">
+                <a:solidFill>
+                  <a:schemeClr val="bg1"/>
+                </a:solidFill>
+              </a:rPr>
+              <a:t> 规范来实现</a:t>
+            </a:r>
+          </a:p>
+        </p:txBody>
+      </p:sp>
+      <p:sp>
+        <p:nvSpPr>
           <p:cNvPr id="6" name="矩形 5">
             <a:extLst>
               <a:ext uri="{FF2B5EF4-FFF2-40B4-BE49-F238E27FC236}">
@@ -7286,288 +6323,1351 @@
       </p:sp>
       <p:sp>
         <p:nvSpPr>
-          <p:cNvPr id="14" name="文本框 13">
+          <p:cNvPr id="15" name="Title 1">
             <a:extLst>
               <a:ext uri="{FF2B5EF4-FFF2-40B4-BE49-F238E27FC236}">
-                <a16:creationId xmlns:a16="http://schemas.microsoft.com/office/drawing/2014/main" id="{C4268867-A424-FF45-89BE-506DDA3EA6FF}"/>
+                <a16:creationId xmlns:a16="http://schemas.microsoft.com/office/drawing/2014/main" id="{C19077E5-BB8D-394D-9D0E-4D40219EB876}"/>
               </a:ext>
             </a:extLst>
           </p:cNvPr>
-          <p:cNvSpPr txBox="1"/>
+          <p:cNvSpPr txBox="1">
+            <a:spLocks/>
+          </p:cNvSpPr>
           <p:nvPr/>
         </p:nvSpPr>
         <p:spPr>
           <a:xfrm>
-            <a:off x="641774" y="957610"/>
-            <a:ext cx="8555389" cy="1569660"/>
+            <a:off x="527148" y="122151"/>
+            <a:ext cx="6671093" cy="523220"/>
           </a:xfrm>
           <a:prstGeom prst="rect">
             <a:avLst/>
           </a:prstGeom>
-          <a:noFill/>
-        </p:spPr>
-        <p:txBody>
-          <a:bodyPr wrap="square" rtlCol="0">
-            <a:spAutoFit/>
+        </p:spPr>
+        <p:txBody>
+          <a:bodyPr vert="horz" lIns="91440" tIns="45720" rIns="91440" bIns="45720" rtlCol="0" anchor="ctr">
+            <a:noAutofit/>
           </a:bodyPr>
-          <a:lstStyle/>
-          <a:p>
-            <a:r>
-              <a:rPr lang="zh-CN" altLang="en-US" sz="2400" b="1" dirty="0">
-                <a:solidFill>
-                  <a:schemeClr val="bg1"/>
-                </a:solidFill>
-              </a:rPr>
-              <a:t>问题</a:t>
-            </a:r>
-            <a:r>
-              <a:rPr lang="en-US" altLang="zh-CN" sz="2400" b="1" dirty="0">
-                <a:solidFill>
-                  <a:schemeClr val="bg1"/>
-                </a:solidFill>
-              </a:rPr>
-              <a:t>3</a:t>
-            </a:r>
-            <a:r>
-              <a:rPr lang="zh-CN" altLang="en-US" sz="2400" b="1" dirty="0">
-                <a:solidFill>
-                  <a:schemeClr val="bg1"/>
-                </a:solidFill>
-              </a:rPr>
-              <a:t>： </a:t>
-            </a:r>
-            <a:r>
-              <a:rPr lang="en-US" altLang="zh-CN" sz="2400" b="1" dirty="0" err="1">
-                <a:solidFill>
-                  <a:schemeClr val="bg1"/>
-                </a:solidFill>
-              </a:rPr>
-              <a:t>js</a:t>
-            </a:r>
-            <a:r>
-              <a:rPr lang="zh-CN" altLang="en-US" sz="2400" b="1" dirty="0">
-                <a:solidFill>
-                  <a:schemeClr val="bg1"/>
-                </a:solidFill>
-              </a:rPr>
-              <a:t> 语句又怎么执行呢？</a:t>
-            </a:r>
-            <a:endParaRPr kumimoji="1" lang="en-US" altLang="zh-CN" sz="2400" b="1" dirty="0">
+          <a:lstStyle>
+            <a:lvl1pPr algn="ctr" defTabSz="914400" rtl="0" eaLnBrk="1" latinLnBrk="0" hangingPunct="1">
+              <a:lnSpc>
+                <a:spcPct val="90000"/>
+              </a:lnSpc>
+              <a:spcBef>
+                <a:spcPct val="0"/>
+              </a:spcBef>
+              <a:buNone/>
+              <a:defRPr sz="6000" kern="1200">
+                <a:solidFill>
+                  <a:schemeClr val="tx1"/>
+                </a:solidFill>
+                <a:latin typeface="+mj-lt"/>
+                <a:ea typeface="+mj-ea"/>
+                <a:cs typeface="+mj-cs"/>
+              </a:defRPr>
+            </a:lvl1pPr>
+          </a:lstStyle>
+          <a:p>
+            <a:pPr algn="l"/>
+            <a:r>
+              <a:rPr lang="en-US" altLang="zh-CN" sz="3600" b="1" dirty="0">
+                <a:solidFill>
+                  <a:schemeClr val="bg1"/>
+                </a:solidFill>
+                <a:latin typeface="+mn-lt"/>
+              </a:rPr>
+              <a:t>4.</a:t>
+            </a:r>
+            <a:r>
+              <a:rPr lang="zh-CN" altLang="en-US" sz="3600" b="1" dirty="0">
+                <a:solidFill>
+                  <a:schemeClr val="bg1"/>
+                </a:solidFill>
+                <a:latin typeface="+mn-lt"/>
+              </a:rPr>
+              <a:t> 手写完整版 </a:t>
+            </a:r>
+            <a:r>
+              <a:rPr lang="en-US" altLang="zh-CN" sz="3600" b="1" dirty="0">
+                <a:solidFill>
+                  <a:schemeClr val="bg1"/>
+                </a:solidFill>
+                <a:latin typeface="+mn-lt"/>
+              </a:rPr>
+              <a:t>Promise</a:t>
+            </a:r>
+            <a:endParaRPr lang="en-CN" sz="3600" b="1" dirty="0">
               <a:solidFill>
                 <a:schemeClr val="bg1"/>
               </a:solidFill>
+              <a:latin typeface="+mn-lt"/>
             </a:endParaRPr>
-          </a:p>
-          <a:p>
-            <a:endParaRPr lang="en-US" altLang="zh-CN" sz="2400" b="1" dirty="0">
-              <a:solidFill>
-                <a:schemeClr val="bg1"/>
-              </a:solidFill>
-            </a:endParaRPr>
-          </a:p>
-          <a:p>
-            <a:r>
-              <a:rPr lang="zh-CN" altLang="en-US" sz="2400" b="1" dirty="0">
-                <a:solidFill>
-                  <a:schemeClr val="bg1"/>
-                </a:solidFill>
-              </a:rPr>
-              <a:t>基本思路：</a:t>
-            </a:r>
-            <a:endParaRPr lang="en-US" altLang="zh-CN" sz="2400" b="1" dirty="0">
-              <a:solidFill>
-                <a:schemeClr val="bg1"/>
-              </a:solidFill>
-            </a:endParaRPr>
-          </a:p>
-          <a:p>
-            <a:r>
-              <a:rPr lang="en-US" altLang="zh-CN" sz="2400" b="1" dirty="0">
-                <a:solidFill>
-                  <a:schemeClr val="bg1"/>
-                </a:solidFill>
-              </a:rPr>
-              <a:t>	1.</a:t>
-            </a:r>
-            <a:r>
-              <a:rPr lang="zh-CN" altLang="en-US" sz="2400" b="1" dirty="0">
-                <a:solidFill>
-                  <a:schemeClr val="bg1"/>
-                </a:solidFill>
-              </a:rPr>
-              <a:t> </a:t>
-            </a:r>
-            <a:r>
-              <a:rPr lang="en-US" altLang="zh-CN" sz="2400" b="1" dirty="0">
-                <a:solidFill>
-                  <a:schemeClr val="bg1"/>
-                </a:solidFill>
-              </a:rPr>
-              <a:t>new</a:t>
-            </a:r>
-            <a:r>
-              <a:rPr lang="zh-CN" altLang="en-US" sz="2400" b="1" dirty="0">
-                <a:solidFill>
-                  <a:schemeClr val="bg1"/>
-                </a:solidFill>
-              </a:rPr>
-              <a:t> </a:t>
-            </a:r>
-            <a:r>
-              <a:rPr lang="en-US" altLang="zh-CN" sz="2400" b="1" dirty="0">
-                <a:solidFill>
-                  <a:schemeClr val="bg1"/>
-                </a:solidFill>
-              </a:rPr>
-              <a:t>Function</a:t>
-            </a:r>
           </a:p>
         </p:txBody>
       </p:sp>
     </p:spTree>
     <p:extLst>
       <p:ext uri="{BB962C8B-B14F-4D97-AF65-F5344CB8AC3E}">
-        <p14:creationId xmlns:p14="http://schemas.microsoft.com/office/powerpoint/2010/main" val="3789267775"/>
+        <p14:creationId xmlns:p14="http://schemas.microsoft.com/office/powerpoint/2010/main" val="558210080"/>
       </p:ext>
     </p:extLst>
   </p:cSld>
   <p:clrMapOvr>
     <a:masterClrMapping/>
   </p:clrMapOvr>
-  <p:timing>
-    <p:tnLst>
-      <p:par>
-        <p:cTn id="1" dur="indefinite" restart="never" nodeType="tmRoot">
-          <p:childTnLst>
-            <p:seq concurrent="1" nextAc="seek">
-              <p:cTn id="2" dur="indefinite" nodeType="mainSeq">
-                <p:childTnLst>
-                  <p:par>
-                    <p:cTn id="3" fill="hold">
-                      <p:stCondLst>
-                        <p:cond delay="indefinite"/>
-                      </p:stCondLst>
-                      <p:childTnLst>
-                        <p:par>
-                          <p:cTn id="4" fill="hold">
-                            <p:stCondLst>
-                              <p:cond delay="0"/>
-                            </p:stCondLst>
-                            <p:childTnLst>
-                              <p:par>
-                                <p:cTn id="5" presetID="3" presetClass="entr" presetSubtype="10" fill="hold" nodeType="clickEffect">
-                                  <p:stCondLst>
-                                    <p:cond delay="0"/>
-                                  </p:stCondLst>
-                                  <p:childTnLst>
-                                    <p:set>
-                                      <p:cBhvr>
-                                        <p:cTn id="6" dur="1" fill="hold">
-                                          <p:stCondLst>
-                                            <p:cond delay="0"/>
-                                          </p:stCondLst>
-                                        </p:cTn>
-                                        <p:tgtEl>
-                                          <p:spTgt spid="14">
-                                            <p:txEl>
-                                              <p:pRg st="2" end="2"/>
-                                            </p:txEl>
-                                          </p:spTgt>
-                                        </p:tgtEl>
-                                        <p:attrNameLst>
-                                          <p:attrName>style.visibility</p:attrName>
-                                        </p:attrNameLst>
-                                      </p:cBhvr>
-                                      <p:to>
-                                        <p:strVal val="visible"/>
-                                      </p:to>
-                                    </p:set>
-                                    <p:animEffect transition="in" filter="blinds(horizontal)">
-                                      <p:cBhvr>
-                                        <p:cTn id="7" dur="500"/>
-                                        <p:tgtEl>
-                                          <p:spTgt spid="14">
-                                            <p:txEl>
-                                              <p:pRg st="2" end="2"/>
-                                            </p:txEl>
-                                          </p:spTgt>
-                                        </p:tgtEl>
-                                      </p:cBhvr>
-                                    </p:animEffect>
-                                  </p:childTnLst>
-                                </p:cTn>
-                              </p:par>
-                              <p:par>
-                                <p:cTn id="8" presetID="3" presetClass="entr" presetSubtype="10" fill="hold" nodeType="withEffect">
-                                  <p:stCondLst>
-                                    <p:cond delay="0"/>
-                                  </p:stCondLst>
-                                  <p:childTnLst>
-                                    <p:set>
-                                      <p:cBhvr>
-                                        <p:cTn id="9" dur="1" fill="hold">
-                                          <p:stCondLst>
-                                            <p:cond delay="0"/>
-                                          </p:stCondLst>
-                                        </p:cTn>
-                                        <p:tgtEl>
-                                          <p:spTgt spid="14">
-                                            <p:txEl>
-                                              <p:pRg st="3" end="3"/>
-                                            </p:txEl>
-                                          </p:spTgt>
-                                        </p:tgtEl>
-                                        <p:attrNameLst>
-                                          <p:attrName>style.visibility</p:attrName>
-                                        </p:attrNameLst>
-                                      </p:cBhvr>
-                                      <p:to>
-                                        <p:strVal val="visible"/>
-                                      </p:to>
-                                    </p:set>
-                                    <p:animEffect transition="in" filter="blinds(horizontal)">
-                                      <p:cBhvr>
-                                        <p:cTn id="10" dur="500"/>
-                                        <p:tgtEl>
-                                          <p:spTgt spid="14">
-                                            <p:txEl>
-                                              <p:pRg st="3" end="3"/>
-                                            </p:txEl>
-                                          </p:spTgt>
-                                        </p:tgtEl>
-                                      </p:cBhvr>
-                                    </p:animEffect>
-                                  </p:childTnLst>
-                                </p:cTn>
-                              </p:par>
-                            </p:childTnLst>
-                          </p:cTn>
-                        </p:par>
-                      </p:childTnLst>
-                    </p:cTn>
-                  </p:par>
-                </p:childTnLst>
-              </p:cTn>
-              <p:prevCondLst>
-                <p:cond evt="onPrev" delay="0">
-                  <p:tgtEl>
-                    <p:sldTgt/>
-                  </p:tgtEl>
-                </p:cond>
-              </p:prevCondLst>
-              <p:nextCondLst>
-                <p:cond evt="onNext" delay="0">
-                  <p:tgtEl>
-                    <p:sldTgt/>
-                  </p:tgtEl>
-                </p:cond>
-              </p:nextCondLst>
-            </p:seq>
-          </p:childTnLst>
-        </p:cTn>
-      </p:par>
-    </p:tnLst>
-  </p:timing>
+</p:sld>
+</file>
+
+<file path=ppt/slides/slide7.xml><?xml version="1.0" encoding="utf-8"?>
+<p:sld xmlns:a="http://schemas.openxmlformats.org/drawingml/2006/main" xmlns:r="http://schemas.openxmlformats.org/officeDocument/2006/relationships" xmlns:p="http://schemas.openxmlformats.org/presentationml/2006/main">
+  <p:cSld>
+    <p:bg>
+      <p:bgPr>
+        <a:blipFill>
+          <a:blip r:embed="rId2"/>
+          <a:stretch>
+            <a:fillRect/>
+          </a:stretch>
+        </a:blipFill>
+        <a:effectLst/>
+      </p:bgPr>
+    </p:bg>
+    <p:spTree>
+      <p:nvGrpSpPr>
+        <p:cNvPr id="1" name=""/>
+        <p:cNvGrpSpPr/>
+        <p:nvPr/>
+      </p:nvGrpSpPr>
+      <p:grpSpPr>
+        <a:xfrm>
+          <a:off x="0" y="0"/>
+          <a:ext cx="0" cy="0"/>
+          <a:chOff x="0" y="0"/>
+          <a:chExt cx="0" cy="0"/>
+        </a:xfrm>
+      </p:grpSpPr>
+      <p:sp useBgFill="1">
+        <p:nvSpPr>
+          <p:cNvPr id="30" name="Rectangle 7">
+            <a:extLst>
+              <a:ext uri="{FF2B5EF4-FFF2-40B4-BE49-F238E27FC236}">
+                <a16:creationId xmlns:a16="http://schemas.microsoft.com/office/drawing/2014/main" id="{879EECFE-814E-4B68-96A7-86A795BD22F7}"/>
+              </a:ext>
+              <a:ext uri="{C183D7F6-B498-43B3-948B-1728B52AA6E4}">
+                <adec:decorative xmlns:adec="http://schemas.microsoft.com/office/drawing/2017/decorative" val="1"/>
+              </a:ext>
+            </a:extLst>
+          </p:cNvPr>
+          <p:cNvSpPr>
+            <a:spLocks noGrp="1" noRot="1" noChangeAspect="1" noMove="1" noResize="1" noEditPoints="1" noAdjustHandles="1" noChangeArrowheads="1" noChangeShapeType="1" noTextEdit="1"/>
+          </p:cNvSpPr>
+          <p:nvPr>
+            <p:extLst>
+              <p:ext uri="{386F3935-93C4-4BCD-93E2-E3B085C9AB24}">
+                <p16:designElem xmlns:p16="http://schemas.microsoft.com/office/powerpoint/2015/main" val="1"/>
+              </p:ext>
+            </p:extLst>
+          </p:nvPr>
+        </p:nvSpPr>
+        <p:spPr>
+          <a:xfrm>
+            <a:off x="0" y="0"/>
+            <a:ext cx="12192000" cy="6858000"/>
+          </a:xfrm>
+          <a:prstGeom prst="rect">
+            <a:avLst/>
+          </a:prstGeom>
+          <a:ln>
+            <a:noFill/>
+          </a:ln>
+        </p:spPr>
+        <p:style>
+          <a:lnRef idx="2">
+            <a:schemeClr val="accent1">
+              <a:shade val="50000"/>
+            </a:schemeClr>
+          </a:lnRef>
+          <a:fillRef idx="1">
+            <a:schemeClr val="accent1"/>
+          </a:fillRef>
+          <a:effectRef idx="0">
+            <a:schemeClr val="accent1"/>
+          </a:effectRef>
+          <a:fontRef idx="minor">
+            <a:schemeClr val="lt1"/>
+          </a:fontRef>
+        </p:style>
+        <p:txBody>
+          <a:bodyPr rtlCol="0" anchor="ctr"/>
+          <a:lstStyle/>
+          <a:p>
+            <a:pPr algn="ctr"/>
+            <a:endParaRPr lang="en-US"/>
+          </a:p>
+        </p:txBody>
+      </p:sp>
+      <p:sp>
+        <p:nvSpPr>
+          <p:cNvPr id="31" name="Right Triangle 9">
+            <a:extLst>
+              <a:ext uri="{FF2B5EF4-FFF2-40B4-BE49-F238E27FC236}">
+                <a16:creationId xmlns:a16="http://schemas.microsoft.com/office/drawing/2014/main" id="{AF180F00-B4B2-4196-BB1C-ECD21B03F0A9}"/>
+              </a:ext>
+              <a:ext uri="{C183D7F6-B498-43B3-948B-1728B52AA6E4}">
+                <adec:decorative xmlns:adec="http://schemas.microsoft.com/office/drawing/2017/decorative" val="1"/>
+              </a:ext>
+            </a:extLst>
+          </p:cNvPr>
+          <p:cNvSpPr>
+            <a:spLocks noGrp="1" noRot="1" noChangeAspect="1" noMove="1" noResize="1" noEditPoints="1" noAdjustHandles="1" noChangeArrowheads="1" noChangeShapeType="1" noTextEdit="1"/>
+          </p:cNvSpPr>
+          <p:nvPr>
+            <p:extLst>
+              <p:ext uri="{386F3935-93C4-4BCD-93E2-E3B085C9AB24}">
+                <p16:designElem xmlns:p16="http://schemas.microsoft.com/office/powerpoint/2015/main" val="1"/>
+              </p:ext>
+            </p:extLst>
+          </p:nvPr>
+        </p:nvSpPr>
+        <p:spPr>
+          <a:xfrm flipH="1">
+            <a:off x="8576720" y="3335867"/>
+            <a:ext cx="3291840" cy="3200400"/>
+          </a:xfrm>
+          <a:prstGeom prst="rtTriangle">
+            <a:avLst/>
+          </a:prstGeom>
+          <a:solidFill>
+            <a:schemeClr val="accent4"/>
+          </a:solidFill>
+          <a:ln>
+            <a:noFill/>
+          </a:ln>
+        </p:spPr>
+        <p:style>
+          <a:lnRef idx="2">
+            <a:schemeClr val="accent1">
+              <a:shade val="50000"/>
+            </a:schemeClr>
+          </a:lnRef>
+          <a:fillRef idx="1">
+            <a:schemeClr val="accent1"/>
+          </a:fillRef>
+          <a:effectRef idx="0">
+            <a:schemeClr val="accent1"/>
+          </a:effectRef>
+          <a:fontRef idx="minor">
+            <a:schemeClr val="lt1"/>
+          </a:fontRef>
+        </p:style>
+        <p:txBody>
+          <a:bodyPr rtlCol="0" anchor="ctr"/>
+          <a:lstStyle/>
+          <a:p>
+            <a:pPr algn="ctr"/>
+            <a:endParaRPr lang="en-US" dirty="0"/>
+          </a:p>
+        </p:txBody>
+      </p:sp>
+      <p:sp>
+        <p:nvSpPr>
+          <p:cNvPr id="12" name="Rectangle 11">
+            <a:extLst>
+              <a:ext uri="{FF2B5EF4-FFF2-40B4-BE49-F238E27FC236}">
+                <a16:creationId xmlns:a16="http://schemas.microsoft.com/office/drawing/2014/main" id="{EE04B5EB-F158-4507-90DD-BD23620C7CC9}"/>
+              </a:ext>
+              <a:ext uri="{C183D7F6-B498-43B3-948B-1728B52AA6E4}">
+                <adec:decorative xmlns:adec="http://schemas.microsoft.com/office/drawing/2017/decorative" val="1"/>
+              </a:ext>
+            </a:extLst>
+          </p:cNvPr>
+          <p:cNvSpPr>
+            <a:spLocks noGrp="1" noRot="1" noChangeAspect="1" noMove="1" noResize="1" noEditPoints="1" noAdjustHandles="1" noChangeArrowheads="1" noChangeShapeType="1" noTextEdit="1"/>
+          </p:cNvSpPr>
+          <p:nvPr>
+            <p:extLst>
+              <p:ext uri="{386F3935-93C4-4BCD-93E2-E3B085C9AB24}">
+                <p16:designElem xmlns:p16="http://schemas.microsoft.com/office/powerpoint/2015/main" val="1"/>
+              </p:ext>
+            </p:extLst>
+          </p:nvPr>
+        </p:nvSpPr>
+        <p:spPr>
+          <a:xfrm>
+            <a:off x="641774" y="623275"/>
+            <a:ext cx="10905053" cy="5607882"/>
+          </a:xfrm>
+          <a:prstGeom prst="rect">
+            <a:avLst/>
+          </a:prstGeom>
+          <a:noFill/>
+          <a:ln w="19050">
+            <a:solidFill>
+              <a:schemeClr val="tx1">
+                <a:lumMod val="75000"/>
+                <a:lumOff val="25000"/>
+              </a:schemeClr>
+            </a:solidFill>
+          </a:ln>
+        </p:spPr>
+        <p:style>
+          <a:lnRef idx="2">
+            <a:schemeClr val="accent1">
+              <a:shade val="50000"/>
+            </a:schemeClr>
+          </a:lnRef>
+          <a:fillRef idx="1">
+            <a:schemeClr val="accent1"/>
+          </a:fillRef>
+          <a:effectRef idx="0">
+            <a:schemeClr val="accent1"/>
+          </a:effectRef>
+          <a:fontRef idx="minor">
+            <a:schemeClr val="lt1"/>
+          </a:fontRef>
+        </p:style>
+        <p:txBody>
+          <a:bodyPr rtlCol="0" anchor="ctr"/>
+          <a:lstStyle/>
+          <a:p>
+            <a:pPr algn="ctr"/>
+            <a:endParaRPr lang="en-US"/>
+          </a:p>
+        </p:txBody>
+      </p:sp>
+      <p:cxnSp>
+        <p:nvCxnSpPr>
+          <p:cNvPr id="32" name="Straight Connector 13">
+            <a:extLst>
+              <a:ext uri="{FF2B5EF4-FFF2-40B4-BE49-F238E27FC236}">
+                <a16:creationId xmlns:a16="http://schemas.microsoft.com/office/drawing/2014/main" id="{BDF0D3DE-EC74-4C9F-AFA1-DC5CE5236B1F}"/>
+              </a:ext>
+              <a:ext uri="{C183D7F6-B498-43B3-948B-1728B52AA6E4}">
+                <adec:decorative xmlns:adec="http://schemas.microsoft.com/office/drawing/2017/decorative" val="1"/>
+              </a:ext>
+            </a:extLst>
+          </p:cNvPr>
+          <p:cNvCxnSpPr>
+            <a:cxnSpLocks noGrp="1" noRot="1" noChangeAspect="1" noMove="1" noResize="1" noEditPoints="1" noAdjustHandles="1" noChangeArrowheads="1" noChangeShapeType="1"/>
+          </p:cNvCxnSpPr>
+          <p:nvPr>
+            <p:extLst>
+              <p:ext uri="{386F3935-93C4-4BCD-93E2-E3B085C9AB24}">
+                <p16:designElem xmlns:p16="http://schemas.microsoft.com/office/powerpoint/2015/main" val="1"/>
+              </p:ext>
+            </p:extLst>
+          </p:nvPr>
+        </p:nvCxnSpPr>
+        <p:spPr>
+          <a:xfrm>
+            <a:off x="7534656" y="1852863"/>
+            <a:ext cx="0" cy="3236495"/>
+          </a:xfrm>
+          <a:prstGeom prst="line">
+            <a:avLst/>
+          </a:prstGeom>
+          <a:ln w="19050" cap="sq">
+            <a:solidFill>
+              <a:schemeClr val="tx1">
+                <a:lumMod val="75000"/>
+                <a:lumOff val="25000"/>
+              </a:schemeClr>
+            </a:solidFill>
+          </a:ln>
+        </p:spPr>
+        <p:style>
+          <a:lnRef idx="1">
+            <a:schemeClr val="accent1"/>
+          </a:lnRef>
+          <a:fillRef idx="0">
+            <a:schemeClr val="accent1"/>
+          </a:fillRef>
+          <a:effectRef idx="0">
+            <a:schemeClr val="accent1"/>
+          </a:effectRef>
+          <a:fontRef idx="minor">
+            <a:schemeClr val="tx1"/>
+          </a:fontRef>
+        </p:style>
+      </p:cxnSp>
+      <p:sp>
+        <p:nvSpPr>
+          <p:cNvPr id="5" name="文本框 4">
+            <a:extLst>
+              <a:ext uri="{FF2B5EF4-FFF2-40B4-BE49-F238E27FC236}">
+                <a16:creationId xmlns:a16="http://schemas.microsoft.com/office/drawing/2014/main" id="{5E074655-E206-5E46-A8B3-8CB6140CB64C}"/>
+              </a:ext>
+            </a:extLst>
+          </p:cNvPr>
+          <p:cNvSpPr txBox="1"/>
+          <p:nvPr/>
+        </p:nvSpPr>
+        <p:spPr>
+          <a:xfrm>
+            <a:off x="1485571" y="1547753"/>
+            <a:ext cx="7598615" cy="461665"/>
+          </a:xfrm>
+          <a:prstGeom prst="rect">
+            <a:avLst/>
+          </a:prstGeom>
+          <a:noFill/>
+        </p:spPr>
+        <p:txBody>
+          <a:bodyPr wrap="square" rtlCol="0">
+            <a:spAutoFit/>
+          </a:bodyPr>
+          <a:lstStyle/>
+          <a:p>
+            <a:r>
+              <a:rPr lang="en-US" altLang="zh-CN" sz="2400" b="1" dirty="0">
+                <a:solidFill>
+                  <a:schemeClr val="bg1"/>
+                </a:solidFill>
+              </a:rPr>
+              <a:t>1.</a:t>
+            </a:r>
+            <a:r>
+              <a:rPr lang="zh-CN" altLang="en-US" sz="2400" b="1" dirty="0">
+                <a:solidFill>
+                  <a:schemeClr val="bg1"/>
+                </a:solidFill>
+              </a:rPr>
+              <a:t> </a:t>
+            </a:r>
+            <a:r>
+              <a:rPr lang="en-US" altLang="zh-CN" sz="2400" b="1" dirty="0">
+                <a:solidFill>
+                  <a:schemeClr val="bg1"/>
+                </a:solidFill>
+              </a:rPr>
+              <a:t>ES6</a:t>
+            </a:r>
+            <a:r>
+              <a:rPr lang="zh-CN" altLang="en-US" sz="2400" b="1" dirty="0">
+                <a:solidFill>
+                  <a:schemeClr val="bg1"/>
+                </a:solidFill>
+              </a:rPr>
+              <a:t> </a:t>
+            </a:r>
+            <a:r>
+              <a:rPr lang="en-US" altLang="zh-CN" sz="2400" b="1" dirty="0">
+                <a:solidFill>
+                  <a:schemeClr val="bg1"/>
+                </a:solidFill>
+              </a:rPr>
+              <a:t>Promise</a:t>
+            </a:r>
+            <a:r>
+              <a:rPr lang="zh-CN" altLang="en-US" sz="2400" b="1" dirty="0">
+                <a:solidFill>
+                  <a:schemeClr val="bg1"/>
+                </a:solidFill>
+              </a:rPr>
+              <a:t> 的实现  </a:t>
+            </a:r>
+          </a:p>
+        </p:txBody>
+      </p:sp>
+      <p:sp>
+        <p:nvSpPr>
+          <p:cNvPr id="6" name="矩形 5">
+            <a:extLst>
+              <a:ext uri="{FF2B5EF4-FFF2-40B4-BE49-F238E27FC236}">
+                <a16:creationId xmlns:a16="http://schemas.microsoft.com/office/drawing/2014/main" id="{03BB6D71-6475-F44C-AC41-496FD14573F4}"/>
+              </a:ext>
+            </a:extLst>
+          </p:cNvPr>
+          <p:cNvSpPr/>
+          <p:nvPr/>
+        </p:nvSpPr>
+        <p:spPr>
+          <a:xfrm>
+            <a:off x="527148" y="6353308"/>
+            <a:ext cx="3137397" cy="382541"/>
+          </a:xfrm>
+          <a:prstGeom prst="rect">
+            <a:avLst/>
+          </a:prstGeom>
+        </p:spPr>
+        <p:txBody>
+          <a:bodyPr wrap="none">
+            <a:spAutoFit/>
+          </a:bodyPr>
+          <a:lstStyle/>
+          <a:p>
+            <a:pPr>
+              <a:lnSpc>
+                <a:spcPct val="150000"/>
+              </a:lnSpc>
+            </a:pPr>
+            <a:r>
+              <a:rPr lang="en-CN" altLang="zh-CN" sz="1400">
+                <a:solidFill>
+                  <a:schemeClr val="bg1"/>
+                </a:solidFill>
+              </a:rPr>
+              <a:t>张跑跑</a:t>
+            </a:r>
+            <a:r>
+              <a:rPr lang="zh-CN" altLang="en-US" sz="1400" dirty="0">
+                <a:solidFill>
+                  <a:schemeClr val="bg1"/>
+                </a:solidFill>
+              </a:rPr>
+              <a:t>  </a:t>
+            </a:r>
+            <a:r>
+              <a:rPr lang="en-US" altLang="zh-CN" sz="1400" dirty="0" err="1">
+                <a:solidFill>
+                  <a:schemeClr val="bg1"/>
+                </a:solidFill>
+              </a:rPr>
+              <a:t>一个热爱生活和代码的程序猿</a:t>
+            </a:r>
+            <a:endParaRPr lang="en-US" altLang="zh-CN" sz="1400" dirty="0">
+              <a:solidFill>
+                <a:schemeClr val="bg1"/>
+              </a:solidFill>
+            </a:endParaRPr>
+          </a:p>
+        </p:txBody>
+      </p:sp>
+      <p:sp>
+        <p:nvSpPr>
+          <p:cNvPr id="15" name="Title 1">
+            <a:extLst>
+              <a:ext uri="{FF2B5EF4-FFF2-40B4-BE49-F238E27FC236}">
+                <a16:creationId xmlns:a16="http://schemas.microsoft.com/office/drawing/2014/main" id="{C19077E5-BB8D-394D-9D0E-4D40219EB876}"/>
+              </a:ext>
+            </a:extLst>
+          </p:cNvPr>
+          <p:cNvSpPr txBox="1">
+            <a:spLocks/>
+          </p:cNvSpPr>
+          <p:nvPr/>
+        </p:nvSpPr>
+        <p:spPr>
+          <a:xfrm>
+            <a:off x="527148" y="122151"/>
+            <a:ext cx="6671093" cy="523220"/>
+          </a:xfrm>
+          <a:prstGeom prst="rect">
+            <a:avLst/>
+          </a:prstGeom>
+        </p:spPr>
+        <p:txBody>
+          <a:bodyPr vert="horz" lIns="91440" tIns="45720" rIns="91440" bIns="45720" rtlCol="0" anchor="ctr">
+            <a:noAutofit/>
+          </a:bodyPr>
+          <a:lstStyle>
+            <a:lvl1pPr algn="ctr" defTabSz="914400" rtl="0" eaLnBrk="1" latinLnBrk="0" hangingPunct="1">
+              <a:lnSpc>
+                <a:spcPct val="90000"/>
+              </a:lnSpc>
+              <a:spcBef>
+                <a:spcPct val="0"/>
+              </a:spcBef>
+              <a:buNone/>
+              <a:defRPr sz="6000" kern="1200">
+                <a:solidFill>
+                  <a:schemeClr val="tx1"/>
+                </a:solidFill>
+                <a:latin typeface="+mj-lt"/>
+                <a:ea typeface="+mj-ea"/>
+                <a:cs typeface="+mj-cs"/>
+              </a:defRPr>
+            </a:lvl1pPr>
+          </a:lstStyle>
+          <a:p>
+            <a:pPr algn="l"/>
+            <a:r>
+              <a:rPr lang="zh-CN" altLang="en-US" sz="3600" b="1" dirty="0">
+                <a:solidFill>
+                  <a:schemeClr val="bg1"/>
+                </a:solidFill>
+                <a:latin typeface="+mn-lt"/>
+              </a:rPr>
+              <a:t>下期补充</a:t>
+            </a:r>
+            <a:endParaRPr lang="en-CN" sz="3600" b="1" dirty="0">
+              <a:solidFill>
+                <a:schemeClr val="bg1"/>
+              </a:solidFill>
+              <a:latin typeface="+mn-lt"/>
+            </a:endParaRPr>
+          </a:p>
+        </p:txBody>
+      </p:sp>
+    </p:spTree>
+    <p:extLst>
+      <p:ext uri="{BB962C8B-B14F-4D97-AF65-F5344CB8AC3E}">
+        <p14:creationId xmlns:p14="http://schemas.microsoft.com/office/powerpoint/2010/main" val="1950506241"/>
+      </p:ext>
+    </p:extLst>
+  </p:cSld>
+  <p:clrMapOvr>
+    <a:masterClrMapping/>
+  </p:clrMapOvr>
+</p:sld>
+</file>
+
+<file path=ppt/slides/slide8.xml><?xml version="1.0" encoding="utf-8"?>
+<p:sld xmlns:a="http://schemas.openxmlformats.org/drawingml/2006/main" xmlns:r="http://schemas.openxmlformats.org/officeDocument/2006/relationships" xmlns:p="http://schemas.openxmlformats.org/presentationml/2006/main">
+  <p:cSld>
+    <p:bg>
+      <p:bgPr>
+        <a:blipFill>
+          <a:blip r:embed="rId2"/>
+          <a:stretch>
+            <a:fillRect/>
+          </a:stretch>
+        </a:blipFill>
+        <a:effectLst/>
+      </p:bgPr>
+    </p:bg>
+    <p:spTree>
+      <p:nvGrpSpPr>
+        <p:cNvPr id="1" name=""/>
+        <p:cNvGrpSpPr/>
+        <p:nvPr/>
+      </p:nvGrpSpPr>
+      <p:grpSpPr>
+        <a:xfrm>
+          <a:off x="0" y="0"/>
+          <a:ext cx="0" cy="0"/>
+          <a:chOff x="0" y="0"/>
+          <a:chExt cx="0" cy="0"/>
+        </a:xfrm>
+      </p:grpSpPr>
+      <p:sp useBgFill="1">
+        <p:nvSpPr>
+          <p:cNvPr id="30" name="Rectangle 7">
+            <a:extLst>
+              <a:ext uri="{FF2B5EF4-FFF2-40B4-BE49-F238E27FC236}">
+                <a16:creationId xmlns:a16="http://schemas.microsoft.com/office/drawing/2014/main" id="{879EECFE-814E-4B68-96A7-86A795BD22F7}"/>
+              </a:ext>
+              <a:ext uri="{C183D7F6-B498-43B3-948B-1728B52AA6E4}">
+                <adec:decorative xmlns:adec="http://schemas.microsoft.com/office/drawing/2017/decorative" val="1"/>
+              </a:ext>
+            </a:extLst>
+          </p:cNvPr>
+          <p:cNvSpPr>
+            <a:spLocks noGrp="1" noRot="1" noChangeAspect="1" noMove="1" noResize="1" noEditPoints="1" noAdjustHandles="1" noChangeArrowheads="1" noChangeShapeType="1" noTextEdit="1"/>
+          </p:cNvSpPr>
+          <p:nvPr>
+            <p:extLst>
+              <p:ext uri="{386F3935-93C4-4BCD-93E2-E3B085C9AB24}">
+                <p16:designElem xmlns:p16="http://schemas.microsoft.com/office/powerpoint/2015/main" val="1"/>
+              </p:ext>
+            </p:extLst>
+          </p:nvPr>
+        </p:nvSpPr>
+        <p:spPr>
+          <a:xfrm>
+            <a:off x="0" y="0"/>
+            <a:ext cx="12192000" cy="6858000"/>
+          </a:xfrm>
+          <a:prstGeom prst="rect">
+            <a:avLst/>
+          </a:prstGeom>
+          <a:ln>
+            <a:noFill/>
+          </a:ln>
+        </p:spPr>
+        <p:style>
+          <a:lnRef idx="2">
+            <a:schemeClr val="accent1">
+              <a:shade val="50000"/>
+            </a:schemeClr>
+          </a:lnRef>
+          <a:fillRef idx="1">
+            <a:schemeClr val="accent1"/>
+          </a:fillRef>
+          <a:effectRef idx="0">
+            <a:schemeClr val="accent1"/>
+          </a:effectRef>
+          <a:fontRef idx="minor">
+            <a:schemeClr val="lt1"/>
+          </a:fontRef>
+        </p:style>
+        <p:txBody>
+          <a:bodyPr rtlCol="0" anchor="ctr"/>
+          <a:lstStyle/>
+          <a:p>
+            <a:pPr algn="ctr"/>
+            <a:endParaRPr lang="en-US"/>
+          </a:p>
+        </p:txBody>
+      </p:sp>
+      <p:sp>
+        <p:nvSpPr>
+          <p:cNvPr id="31" name="Right Triangle 9">
+            <a:extLst>
+              <a:ext uri="{FF2B5EF4-FFF2-40B4-BE49-F238E27FC236}">
+                <a16:creationId xmlns:a16="http://schemas.microsoft.com/office/drawing/2014/main" id="{AF180F00-B4B2-4196-BB1C-ECD21B03F0A9}"/>
+              </a:ext>
+              <a:ext uri="{C183D7F6-B498-43B3-948B-1728B52AA6E4}">
+                <adec:decorative xmlns:adec="http://schemas.microsoft.com/office/drawing/2017/decorative" val="1"/>
+              </a:ext>
+            </a:extLst>
+          </p:cNvPr>
+          <p:cNvSpPr>
+            <a:spLocks noGrp="1" noRot="1" noChangeAspect="1" noMove="1" noResize="1" noEditPoints="1" noAdjustHandles="1" noChangeArrowheads="1" noChangeShapeType="1" noTextEdit="1"/>
+          </p:cNvSpPr>
+          <p:nvPr>
+            <p:extLst>
+              <p:ext uri="{386F3935-93C4-4BCD-93E2-E3B085C9AB24}">
+                <p16:designElem xmlns:p16="http://schemas.microsoft.com/office/powerpoint/2015/main" val="1"/>
+              </p:ext>
+            </p:extLst>
+          </p:nvPr>
+        </p:nvSpPr>
+        <p:spPr>
+          <a:xfrm flipH="1">
+            <a:off x="8576720" y="3335867"/>
+            <a:ext cx="3291840" cy="3200400"/>
+          </a:xfrm>
+          <a:prstGeom prst="rtTriangle">
+            <a:avLst/>
+          </a:prstGeom>
+          <a:solidFill>
+            <a:schemeClr val="accent4"/>
+          </a:solidFill>
+          <a:ln>
+            <a:noFill/>
+          </a:ln>
+        </p:spPr>
+        <p:style>
+          <a:lnRef idx="2">
+            <a:schemeClr val="accent1">
+              <a:shade val="50000"/>
+            </a:schemeClr>
+          </a:lnRef>
+          <a:fillRef idx="1">
+            <a:schemeClr val="accent1"/>
+          </a:fillRef>
+          <a:effectRef idx="0">
+            <a:schemeClr val="accent1"/>
+          </a:effectRef>
+          <a:fontRef idx="minor">
+            <a:schemeClr val="lt1"/>
+          </a:fontRef>
+        </p:style>
+        <p:txBody>
+          <a:bodyPr rtlCol="0" anchor="ctr"/>
+          <a:lstStyle/>
+          <a:p>
+            <a:pPr algn="ctr"/>
+            <a:endParaRPr lang="en-US" dirty="0"/>
+          </a:p>
+        </p:txBody>
+      </p:sp>
+      <p:sp>
+        <p:nvSpPr>
+          <p:cNvPr id="12" name="Rectangle 11">
+            <a:extLst>
+              <a:ext uri="{FF2B5EF4-FFF2-40B4-BE49-F238E27FC236}">
+                <a16:creationId xmlns:a16="http://schemas.microsoft.com/office/drawing/2014/main" id="{EE04B5EB-F158-4507-90DD-BD23620C7CC9}"/>
+              </a:ext>
+              <a:ext uri="{C183D7F6-B498-43B3-948B-1728B52AA6E4}">
+                <adec:decorative xmlns:adec="http://schemas.microsoft.com/office/drawing/2017/decorative" val="1"/>
+              </a:ext>
+            </a:extLst>
+          </p:cNvPr>
+          <p:cNvSpPr>
+            <a:spLocks noGrp="1" noRot="1" noChangeAspect="1" noMove="1" noResize="1" noEditPoints="1" noAdjustHandles="1" noChangeArrowheads="1" noChangeShapeType="1" noTextEdit="1"/>
+          </p:cNvSpPr>
+          <p:nvPr>
+            <p:extLst>
+              <p:ext uri="{386F3935-93C4-4BCD-93E2-E3B085C9AB24}">
+                <p16:designElem xmlns:p16="http://schemas.microsoft.com/office/powerpoint/2015/main" val="1"/>
+              </p:ext>
+            </p:extLst>
+          </p:nvPr>
+        </p:nvSpPr>
+        <p:spPr>
+          <a:xfrm>
+            <a:off x="641774" y="623275"/>
+            <a:ext cx="10905053" cy="5607882"/>
+          </a:xfrm>
+          <a:prstGeom prst="rect">
+            <a:avLst/>
+          </a:prstGeom>
+          <a:noFill/>
+          <a:ln w="19050">
+            <a:solidFill>
+              <a:schemeClr val="tx1">
+                <a:lumMod val="75000"/>
+                <a:lumOff val="25000"/>
+              </a:schemeClr>
+            </a:solidFill>
+          </a:ln>
+        </p:spPr>
+        <p:style>
+          <a:lnRef idx="2">
+            <a:schemeClr val="accent1">
+              <a:shade val="50000"/>
+            </a:schemeClr>
+          </a:lnRef>
+          <a:fillRef idx="1">
+            <a:schemeClr val="accent1"/>
+          </a:fillRef>
+          <a:effectRef idx="0">
+            <a:schemeClr val="accent1"/>
+          </a:effectRef>
+          <a:fontRef idx="minor">
+            <a:schemeClr val="lt1"/>
+          </a:fontRef>
+        </p:style>
+        <p:txBody>
+          <a:bodyPr rtlCol="0" anchor="ctr"/>
+          <a:lstStyle/>
+          <a:p>
+            <a:pPr algn="ctr"/>
+            <a:endParaRPr lang="en-US"/>
+          </a:p>
+        </p:txBody>
+      </p:sp>
+      <p:cxnSp>
+        <p:nvCxnSpPr>
+          <p:cNvPr id="32" name="Straight Connector 13">
+            <a:extLst>
+              <a:ext uri="{FF2B5EF4-FFF2-40B4-BE49-F238E27FC236}">
+                <a16:creationId xmlns:a16="http://schemas.microsoft.com/office/drawing/2014/main" id="{BDF0D3DE-EC74-4C9F-AFA1-DC5CE5236B1F}"/>
+              </a:ext>
+              <a:ext uri="{C183D7F6-B498-43B3-948B-1728B52AA6E4}">
+                <adec:decorative xmlns:adec="http://schemas.microsoft.com/office/drawing/2017/decorative" val="1"/>
+              </a:ext>
+            </a:extLst>
+          </p:cNvPr>
+          <p:cNvCxnSpPr>
+            <a:cxnSpLocks noGrp="1" noRot="1" noChangeAspect="1" noMove="1" noResize="1" noEditPoints="1" noAdjustHandles="1" noChangeArrowheads="1" noChangeShapeType="1"/>
+          </p:cNvCxnSpPr>
+          <p:nvPr>
+            <p:extLst>
+              <p:ext uri="{386F3935-93C4-4BCD-93E2-E3B085C9AB24}">
+                <p16:designElem xmlns:p16="http://schemas.microsoft.com/office/powerpoint/2015/main" val="1"/>
+              </p:ext>
+            </p:extLst>
+          </p:nvPr>
+        </p:nvCxnSpPr>
+        <p:spPr>
+          <a:xfrm>
+            <a:off x="7534656" y="1852863"/>
+            <a:ext cx="0" cy="3236495"/>
+          </a:xfrm>
+          <a:prstGeom prst="line">
+            <a:avLst/>
+          </a:prstGeom>
+          <a:ln w="19050" cap="sq">
+            <a:solidFill>
+              <a:schemeClr val="tx1">
+                <a:lumMod val="75000"/>
+                <a:lumOff val="25000"/>
+              </a:schemeClr>
+            </a:solidFill>
+          </a:ln>
+        </p:spPr>
+        <p:style>
+          <a:lnRef idx="1">
+            <a:schemeClr val="accent1"/>
+          </a:lnRef>
+          <a:fillRef idx="0">
+            <a:schemeClr val="accent1"/>
+          </a:fillRef>
+          <a:effectRef idx="0">
+            <a:schemeClr val="accent1"/>
+          </a:effectRef>
+          <a:fontRef idx="minor">
+            <a:schemeClr val="tx1"/>
+          </a:fontRef>
+        </p:style>
+      </p:cxnSp>
+      <p:sp>
+        <p:nvSpPr>
+          <p:cNvPr id="5" name="文本框 4">
+            <a:extLst>
+              <a:ext uri="{FF2B5EF4-FFF2-40B4-BE49-F238E27FC236}">
+                <a16:creationId xmlns:a16="http://schemas.microsoft.com/office/drawing/2014/main" id="{5E074655-E206-5E46-A8B3-8CB6140CB64C}"/>
+              </a:ext>
+            </a:extLst>
+          </p:cNvPr>
+          <p:cNvSpPr txBox="1"/>
+          <p:nvPr/>
+        </p:nvSpPr>
+        <p:spPr>
+          <a:xfrm>
+            <a:off x="1601185" y="1206268"/>
+            <a:ext cx="7598615" cy="3359831"/>
+          </a:xfrm>
+          <a:prstGeom prst="rect">
+            <a:avLst/>
+          </a:prstGeom>
+          <a:noFill/>
+        </p:spPr>
+        <p:txBody>
+          <a:bodyPr wrap="square" rtlCol="0">
+            <a:spAutoFit/>
+          </a:bodyPr>
+          <a:lstStyle/>
+          <a:p>
+            <a:pPr marL="457200" indent="-457200">
+              <a:lnSpc>
+                <a:spcPct val="150000"/>
+              </a:lnSpc>
+              <a:buAutoNum type="arabicPeriod"/>
+            </a:pPr>
+            <a:r>
+              <a:rPr lang="zh-CN" altLang="en-US" sz="2400" b="1" dirty="0">
+                <a:solidFill>
+                  <a:schemeClr val="bg1"/>
+                </a:solidFill>
+              </a:rPr>
+              <a:t>手写 </a:t>
+            </a:r>
+            <a:r>
+              <a:rPr lang="en-US" altLang="zh-CN" sz="2400" b="1" dirty="0">
+                <a:solidFill>
+                  <a:schemeClr val="bg1"/>
+                </a:solidFill>
+              </a:rPr>
+              <a:t>Promise</a:t>
+            </a:r>
+            <a:r>
+              <a:rPr lang="zh-CN" altLang="en-US" sz="2400" b="1" dirty="0">
+                <a:solidFill>
+                  <a:schemeClr val="bg1"/>
+                </a:solidFill>
+              </a:rPr>
+              <a:t> </a:t>
+            </a:r>
+            <a:r>
+              <a:rPr lang="en-US" altLang="zh-CN" sz="2400" b="1" dirty="0">
+                <a:solidFill>
+                  <a:schemeClr val="bg1"/>
+                </a:solidFill>
+              </a:rPr>
+              <a:t>——</a:t>
+            </a:r>
+            <a:r>
+              <a:rPr lang="zh-CN" altLang="en-US" sz="2400" b="1" dirty="0">
+                <a:solidFill>
+                  <a:schemeClr val="bg1"/>
+                </a:solidFill>
+              </a:rPr>
+              <a:t> 已完成</a:t>
+            </a:r>
+            <a:endParaRPr lang="en-US" altLang="zh-CN" sz="2400" b="1" dirty="0">
+              <a:solidFill>
+                <a:schemeClr val="bg1"/>
+              </a:solidFill>
+            </a:endParaRPr>
+          </a:p>
+          <a:p>
+            <a:pPr marL="457200" indent="-457200">
+              <a:lnSpc>
+                <a:spcPct val="150000"/>
+              </a:lnSpc>
+              <a:buAutoNum type="arabicPeriod"/>
+            </a:pPr>
+            <a:r>
+              <a:rPr lang="zh-CN" altLang="en-US" sz="2400" b="1" dirty="0">
+                <a:solidFill>
+                  <a:schemeClr val="bg1"/>
+                </a:solidFill>
+              </a:rPr>
+              <a:t>手写 防抖节流</a:t>
+            </a:r>
+            <a:endParaRPr lang="en-US" altLang="zh-CN" sz="2400" b="1" dirty="0">
+              <a:solidFill>
+                <a:schemeClr val="bg1"/>
+              </a:solidFill>
+            </a:endParaRPr>
+          </a:p>
+          <a:p>
+            <a:pPr marL="457200" indent="-457200">
+              <a:lnSpc>
+                <a:spcPct val="150000"/>
+              </a:lnSpc>
+              <a:buAutoNum type="arabicPeriod"/>
+            </a:pPr>
+            <a:r>
+              <a:rPr lang="zh-CN" altLang="en-US" sz="2400" b="1" dirty="0">
+                <a:solidFill>
+                  <a:schemeClr val="bg1"/>
+                </a:solidFill>
+              </a:rPr>
+              <a:t>手写模板引擎 </a:t>
+            </a:r>
+            <a:r>
+              <a:rPr lang="en-US" altLang="zh-CN" sz="2400" b="1" dirty="0">
+                <a:solidFill>
+                  <a:schemeClr val="bg1"/>
+                </a:solidFill>
+              </a:rPr>
+              <a:t>——</a:t>
+            </a:r>
+            <a:r>
+              <a:rPr lang="zh-CN" altLang="en-US" sz="2400" b="1" dirty="0">
+                <a:solidFill>
+                  <a:schemeClr val="bg1"/>
+                </a:solidFill>
+              </a:rPr>
+              <a:t> 已完成</a:t>
+            </a:r>
+            <a:endParaRPr lang="en-US" altLang="zh-CN" sz="2400" b="1" dirty="0">
+              <a:solidFill>
+                <a:schemeClr val="bg1"/>
+              </a:solidFill>
+            </a:endParaRPr>
+          </a:p>
+          <a:p>
+            <a:pPr marL="457200" indent="-457200">
+              <a:lnSpc>
+                <a:spcPct val="150000"/>
+              </a:lnSpc>
+              <a:buAutoNum type="arabicPeriod"/>
+            </a:pPr>
+            <a:r>
+              <a:rPr lang="zh-CN" altLang="en-US" sz="2400" b="1" dirty="0">
+                <a:solidFill>
+                  <a:schemeClr val="bg1"/>
+                </a:solidFill>
+              </a:rPr>
+              <a:t>手写发布订阅</a:t>
+            </a:r>
+            <a:endParaRPr lang="en-US" altLang="zh-CN" sz="2400" b="1" dirty="0">
+              <a:solidFill>
+                <a:schemeClr val="bg1"/>
+              </a:solidFill>
+            </a:endParaRPr>
+          </a:p>
+          <a:p>
+            <a:pPr marL="457200" indent="-457200">
+              <a:lnSpc>
+                <a:spcPct val="150000"/>
+              </a:lnSpc>
+              <a:buAutoNum type="arabicPeriod"/>
+            </a:pPr>
+            <a:r>
+              <a:rPr lang="zh-CN" altLang="en-US" sz="2400" b="1" dirty="0">
+                <a:solidFill>
+                  <a:schemeClr val="bg1"/>
+                </a:solidFill>
+              </a:rPr>
+              <a:t>手写 </a:t>
+            </a:r>
+            <a:r>
+              <a:rPr lang="en-US" altLang="zh-CN" sz="2400" b="1" dirty="0">
+                <a:solidFill>
+                  <a:schemeClr val="bg1"/>
+                </a:solidFill>
+              </a:rPr>
+              <a:t>ES5</a:t>
+            </a:r>
+            <a:r>
+              <a:rPr lang="zh-CN" altLang="en-US" sz="2400" b="1" dirty="0">
+                <a:solidFill>
+                  <a:schemeClr val="bg1"/>
+                </a:solidFill>
+              </a:rPr>
+              <a:t> 实现 </a:t>
+            </a:r>
+            <a:r>
+              <a:rPr lang="en-US" altLang="zh-CN" sz="2400" b="1" dirty="0">
+                <a:solidFill>
+                  <a:schemeClr val="bg1"/>
+                </a:solidFill>
+              </a:rPr>
+              <a:t>ES6</a:t>
+            </a:r>
+            <a:r>
+              <a:rPr lang="zh-CN" altLang="en-US" sz="2400" b="1" dirty="0">
+                <a:solidFill>
+                  <a:schemeClr val="bg1"/>
+                </a:solidFill>
+              </a:rPr>
+              <a:t> 类的继承</a:t>
+            </a:r>
+            <a:endParaRPr lang="en-US" altLang="zh-CN" sz="2400" b="1" dirty="0">
+              <a:solidFill>
+                <a:schemeClr val="bg1"/>
+              </a:solidFill>
+            </a:endParaRPr>
+          </a:p>
+          <a:p>
+            <a:pPr marL="457200" indent="-457200">
+              <a:lnSpc>
+                <a:spcPct val="150000"/>
+              </a:lnSpc>
+              <a:buAutoNum type="arabicPeriod"/>
+            </a:pPr>
+            <a:r>
+              <a:rPr lang="zh-CN" altLang="en-US" sz="2400" b="1" dirty="0">
+                <a:solidFill>
+                  <a:schemeClr val="bg1"/>
+                </a:solidFill>
+              </a:rPr>
+              <a:t>手写 </a:t>
+            </a:r>
+            <a:r>
+              <a:rPr lang="en-US" altLang="zh-CN" sz="2400" b="1" dirty="0">
+                <a:solidFill>
+                  <a:schemeClr val="bg1"/>
+                </a:solidFill>
+              </a:rPr>
+              <a:t>apply</a:t>
+            </a:r>
+            <a:r>
+              <a:rPr lang="zh-CN" altLang="en-US" sz="2400" b="1" dirty="0">
+                <a:solidFill>
+                  <a:schemeClr val="bg1"/>
+                </a:solidFill>
+              </a:rPr>
+              <a:t>、</a:t>
+            </a:r>
+            <a:r>
+              <a:rPr lang="en-US" altLang="zh-CN" sz="2400" b="1" dirty="0">
+                <a:solidFill>
+                  <a:schemeClr val="bg1"/>
+                </a:solidFill>
+              </a:rPr>
+              <a:t>call</a:t>
+            </a:r>
+            <a:r>
+              <a:rPr lang="zh-CN" altLang="en-US" sz="2400" b="1" dirty="0">
+                <a:solidFill>
+                  <a:schemeClr val="bg1"/>
+                </a:solidFill>
+              </a:rPr>
+              <a:t> 和 </a:t>
+            </a:r>
+            <a:r>
+              <a:rPr lang="en-US" altLang="zh-CN" sz="2400" b="1" dirty="0">
+                <a:solidFill>
+                  <a:schemeClr val="bg1"/>
+                </a:solidFill>
+              </a:rPr>
+              <a:t>bind</a:t>
+            </a:r>
+            <a:endParaRPr lang="zh-CN" altLang="en-US" sz="2400" b="1" dirty="0">
+              <a:solidFill>
+                <a:schemeClr val="bg1"/>
+              </a:solidFill>
+            </a:endParaRPr>
+          </a:p>
+        </p:txBody>
+      </p:sp>
+      <p:sp>
+        <p:nvSpPr>
+          <p:cNvPr id="6" name="矩形 5">
+            <a:extLst>
+              <a:ext uri="{FF2B5EF4-FFF2-40B4-BE49-F238E27FC236}">
+                <a16:creationId xmlns:a16="http://schemas.microsoft.com/office/drawing/2014/main" id="{03BB6D71-6475-F44C-AC41-496FD14573F4}"/>
+              </a:ext>
+            </a:extLst>
+          </p:cNvPr>
+          <p:cNvSpPr/>
+          <p:nvPr/>
+        </p:nvSpPr>
+        <p:spPr>
+          <a:xfrm>
+            <a:off x="527148" y="6353308"/>
+            <a:ext cx="3137397" cy="382541"/>
+          </a:xfrm>
+          <a:prstGeom prst="rect">
+            <a:avLst/>
+          </a:prstGeom>
+        </p:spPr>
+        <p:txBody>
+          <a:bodyPr wrap="none">
+            <a:spAutoFit/>
+          </a:bodyPr>
+          <a:lstStyle/>
+          <a:p>
+            <a:pPr>
+              <a:lnSpc>
+                <a:spcPct val="150000"/>
+              </a:lnSpc>
+            </a:pPr>
+            <a:r>
+              <a:rPr lang="en-CN" altLang="zh-CN" sz="1400">
+                <a:solidFill>
+                  <a:schemeClr val="bg1"/>
+                </a:solidFill>
+              </a:rPr>
+              <a:t>张跑跑</a:t>
+            </a:r>
+            <a:r>
+              <a:rPr lang="zh-CN" altLang="en-US" sz="1400" dirty="0">
+                <a:solidFill>
+                  <a:schemeClr val="bg1"/>
+                </a:solidFill>
+              </a:rPr>
+              <a:t>  </a:t>
+            </a:r>
+            <a:r>
+              <a:rPr lang="en-US" altLang="zh-CN" sz="1400" dirty="0" err="1">
+                <a:solidFill>
+                  <a:schemeClr val="bg1"/>
+                </a:solidFill>
+              </a:rPr>
+              <a:t>一个热爱生活和代码的程序猿</a:t>
+            </a:r>
+            <a:endParaRPr lang="en-US" altLang="zh-CN" sz="1400" dirty="0">
+              <a:solidFill>
+                <a:schemeClr val="bg1"/>
+              </a:solidFill>
+            </a:endParaRPr>
+          </a:p>
+        </p:txBody>
+      </p:sp>
+      <p:sp>
+        <p:nvSpPr>
+          <p:cNvPr id="15" name="Title 1">
+            <a:extLst>
+              <a:ext uri="{FF2B5EF4-FFF2-40B4-BE49-F238E27FC236}">
+                <a16:creationId xmlns:a16="http://schemas.microsoft.com/office/drawing/2014/main" id="{C19077E5-BB8D-394D-9D0E-4D40219EB876}"/>
+              </a:ext>
+            </a:extLst>
+          </p:cNvPr>
+          <p:cNvSpPr txBox="1">
+            <a:spLocks/>
+          </p:cNvSpPr>
+          <p:nvPr/>
+        </p:nvSpPr>
+        <p:spPr>
+          <a:xfrm>
+            <a:off x="527148" y="122151"/>
+            <a:ext cx="6671093" cy="523220"/>
+          </a:xfrm>
+          <a:prstGeom prst="rect">
+            <a:avLst/>
+          </a:prstGeom>
+        </p:spPr>
+        <p:txBody>
+          <a:bodyPr vert="horz" lIns="91440" tIns="45720" rIns="91440" bIns="45720" rtlCol="0" anchor="ctr">
+            <a:noAutofit/>
+          </a:bodyPr>
+          <a:lstStyle>
+            <a:lvl1pPr algn="ctr" defTabSz="914400" rtl="0" eaLnBrk="1" latinLnBrk="0" hangingPunct="1">
+              <a:lnSpc>
+                <a:spcPct val="90000"/>
+              </a:lnSpc>
+              <a:spcBef>
+                <a:spcPct val="0"/>
+              </a:spcBef>
+              <a:buNone/>
+              <a:defRPr sz="6000" kern="1200">
+                <a:solidFill>
+                  <a:schemeClr val="tx1"/>
+                </a:solidFill>
+                <a:latin typeface="+mj-lt"/>
+                <a:ea typeface="+mj-ea"/>
+                <a:cs typeface="+mj-cs"/>
+              </a:defRPr>
+            </a:lvl1pPr>
+          </a:lstStyle>
+          <a:p>
+            <a:pPr algn="l"/>
+            <a:r>
+              <a:rPr lang="zh-CN" altLang="en-US" sz="3600" b="1" dirty="0">
+                <a:solidFill>
+                  <a:schemeClr val="bg1"/>
+                </a:solidFill>
+                <a:latin typeface="+mn-lt"/>
+              </a:rPr>
+              <a:t>手写轮子系列</a:t>
+            </a:r>
+            <a:endParaRPr lang="en-CN" sz="3600" b="1" dirty="0">
+              <a:solidFill>
+                <a:schemeClr val="bg1"/>
+              </a:solidFill>
+              <a:latin typeface="+mn-lt"/>
+            </a:endParaRPr>
+          </a:p>
+        </p:txBody>
+      </p:sp>
+      <p:sp>
+        <p:nvSpPr>
+          <p:cNvPr id="9" name="文本框 8">
+            <a:extLst>
+              <a:ext uri="{FF2B5EF4-FFF2-40B4-BE49-F238E27FC236}">
+                <a16:creationId xmlns:a16="http://schemas.microsoft.com/office/drawing/2014/main" id="{79919823-258C-B24C-80D3-D31D3AA6DD87}"/>
+              </a:ext>
+            </a:extLst>
+          </p:cNvPr>
+          <p:cNvSpPr txBox="1"/>
+          <p:nvPr/>
+        </p:nvSpPr>
+        <p:spPr>
+          <a:xfrm>
+            <a:off x="1057028" y="4888505"/>
+            <a:ext cx="9537400" cy="1143070"/>
+          </a:xfrm>
+          <a:prstGeom prst="rect">
+            <a:avLst/>
+          </a:prstGeom>
+          <a:noFill/>
+        </p:spPr>
+        <p:txBody>
+          <a:bodyPr wrap="square" rtlCol="0">
+            <a:spAutoFit/>
+          </a:bodyPr>
+          <a:lstStyle/>
+          <a:p>
+            <a:pPr>
+              <a:lnSpc>
+                <a:spcPct val="150000"/>
+              </a:lnSpc>
+            </a:pPr>
+            <a:r>
+              <a:rPr lang="zh-CN" altLang="en-US" sz="2400" b="1" dirty="0">
+                <a:solidFill>
+                  <a:schemeClr val="bg1"/>
+                </a:solidFill>
+              </a:rPr>
+              <a:t>喜欢的话求关注求点赞求分享求一键三连，你的支持是我最大的动力，</a:t>
+            </a:r>
+            <a:endParaRPr lang="en-US" altLang="zh-CN" sz="2400" b="1" dirty="0">
+              <a:solidFill>
+                <a:schemeClr val="bg1"/>
+              </a:solidFill>
+            </a:endParaRPr>
+          </a:p>
+          <a:p>
+            <a:pPr>
+              <a:lnSpc>
+                <a:spcPct val="150000"/>
+              </a:lnSpc>
+            </a:pPr>
+            <a:r>
+              <a:rPr lang="zh-CN" altLang="en-US" sz="2400" b="1" dirty="0">
+                <a:solidFill>
+                  <a:schemeClr val="bg1"/>
+                </a:solidFill>
+              </a:rPr>
+              <a:t>关于手写系列，也欢迎大家投稿</a:t>
+            </a:r>
+            <a:endParaRPr lang="en-US" altLang="zh-CN" sz="2400" b="1" dirty="0">
+              <a:solidFill>
+                <a:schemeClr val="bg1"/>
+              </a:solidFill>
+            </a:endParaRPr>
+          </a:p>
+        </p:txBody>
+      </p:sp>
+    </p:spTree>
+    <p:extLst>
+      <p:ext uri="{BB962C8B-B14F-4D97-AF65-F5344CB8AC3E}">
+        <p14:creationId xmlns:p14="http://schemas.microsoft.com/office/powerpoint/2010/main" val="3711908608"/>
+      </p:ext>
+    </p:extLst>
+  </p:cSld>
+  <p:clrMapOvr>
+    <a:masterClrMapping/>
+  </p:clrMapOvr>
 </p:sld>
 </file>
 

--- a/01-promise-2021/聊聊 Promise-手写完整的 Promise.pptx
+++ b/01-promise-2021/聊聊 Promise-手写完整的 Promise.pptx
@@ -3497,7 +3497,7 @@
         </p:nvSpPr>
         <p:spPr>
           <a:xfrm>
-            <a:off x="3787063" y="3550426"/>
+            <a:off x="2838892" y="3548644"/>
             <a:ext cx="8618477" cy="523220"/>
           </a:xfrm>
           <a:prstGeom prst="rect">
@@ -5146,8 +5146,8 @@
         </p:nvSpPr>
         <p:spPr>
           <a:xfrm>
-            <a:off x="1485571" y="1379407"/>
-            <a:ext cx="7598615" cy="2677656"/>
+            <a:off x="1496062" y="1208952"/>
+            <a:ext cx="8726578" cy="4524315"/>
           </a:xfrm>
           <a:prstGeom prst="rect">
             <a:avLst/>
@@ -5166,15 +5166,15 @@
                   <a:schemeClr val="bg1"/>
                 </a:solidFill>
               </a:rPr>
-              <a:t>咋一看可能无从下手，但只要我们跟随着 </a:t>
-            </a:r>
-            <a:r>
-              <a:rPr lang="en" altLang="zh-CN" sz="2400" b="1" dirty="0">
-                <a:solidFill>
-                  <a:schemeClr val="bg1"/>
-                </a:solidFill>
-              </a:rPr>
-              <a:t>Promises/A+ </a:t>
+              <a:t>咋一看可能无从下手，但如果你知道 </a:t>
+            </a:r>
+            <a:r>
+              <a:rPr lang="en-US" altLang="zh-CN" sz="2400" b="1" dirty="0">
+                <a:solidFill>
+                  <a:schemeClr val="bg1"/>
+                </a:solidFill>
+              </a:rPr>
+              <a:t>Promises/A+</a:t>
             </a:r>
             <a:r>
               <a:rPr lang="zh-CN" altLang="en-US" sz="2400" b="1" dirty="0">
@@ -5182,7 +5182,7 @@
                   <a:schemeClr val="bg1"/>
                 </a:solidFill>
               </a:rPr>
-              <a:t>规范一步一步地实现，你会发现，原来实现一个 </a:t>
+              <a:t> 规范，跟随着这一规范一步一步地实现，你会发现，原来实现一个 </a:t>
             </a:r>
             <a:r>
               <a:rPr lang="en" altLang="zh-CN" sz="2400" b="1" dirty="0">
@@ -5214,6 +5214,140 @@
             </a:endParaRPr>
           </a:p>
           <a:p>
+            <a:r>
+              <a:rPr lang="en" altLang="zh-CN" sz="2400" b="1" dirty="0">
+                <a:solidFill>
+                  <a:schemeClr val="bg1"/>
+                </a:solidFill>
+              </a:rPr>
+              <a:t>Promise</a:t>
+            </a:r>
+            <a:r>
+              <a:rPr lang="zh-CN" altLang="en-US" sz="2400" b="1" dirty="0">
+                <a:solidFill>
+                  <a:schemeClr val="bg1"/>
+                </a:solidFill>
+              </a:rPr>
+              <a:t> 规范最早由社区提出，其中普遍接受的是由</a:t>
+            </a:r>
+            <a:r>
+              <a:rPr lang="en-US" altLang="zh-CN" sz="2400" b="1" dirty="0" err="1">
+                <a:solidFill>
+                  <a:schemeClr val="bg1"/>
+                </a:solidFill>
+              </a:rPr>
+              <a:t>Commonjs</a:t>
+            </a:r>
+            <a:r>
+              <a:rPr lang="zh-CN" altLang="en-US" sz="2400" b="1" dirty="0">
+                <a:solidFill>
+                  <a:schemeClr val="bg1"/>
+                </a:solidFill>
+              </a:rPr>
+              <a:t> 提出的 </a:t>
+            </a:r>
+            <a:r>
+              <a:rPr lang="en-US" altLang="zh-CN" sz="2400" b="1" dirty="0">
+                <a:solidFill>
+                  <a:schemeClr val="bg1"/>
+                </a:solidFill>
+              </a:rPr>
+              <a:t>Promises/A</a:t>
+            </a:r>
+            <a:r>
+              <a:rPr lang="zh-CN" altLang="en-US" sz="2400" b="1" dirty="0">
+                <a:solidFill>
+                  <a:schemeClr val="bg1"/>
+                </a:solidFill>
+              </a:rPr>
+              <a:t> 规范。但是这一规范仍然存在一些不足，因此后来社区基于这一规范提出了 </a:t>
+            </a:r>
+            <a:r>
+              <a:rPr lang="en-US" altLang="zh-CN" sz="2400" b="1" dirty="0">
+                <a:solidFill>
+                  <a:schemeClr val="bg1"/>
+                </a:solidFill>
+              </a:rPr>
+              <a:t>plus </a:t>
+            </a:r>
+            <a:r>
+              <a:rPr lang="zh-CN" altLang="en-US" sz="2400" b="1" dirty="0">
+                <a:solidFill>
+                  <a:schemeClr val="bg1"/>
+                </a:solidFill>
+              </a:rPr>
+              <a:t>规范，即 </a:t>
+            </a:r>
+            <a:r>
+              <a:rPr lang="en-US" altLang="zh-CN" sz="2400" b="1" dirty="0">
+                <a:solidFill>
+                  <a:schemeClr val="bg1"/>
+                </a:solidFill>
+                <a:hlinkClick r:id="rId3">
+                  <a:extLst>
+                    <a:ext uri="{A12FA001-AC4F-418D-AE19-62706E023703}">
+                      <ahyp:hlinkClr xmlns:ahyp="http://schemas.microsoft.com/office/drawing/2018/hyperlinkcolor" val="tx"/>
+                    </a:ext>
+                  </a:extLst>
+                </a:hlinkClick>
+              </a:rPr>
+              <a:t>Promises/A+ </a:t>
+            </a:r>
+            <a:r>
+              <a:rPr lang="zh-CN" altLang="en-US" sz="2400" b="1" dirty="0">
+                <a:solidFill>
+                  <a:schemeClr val="bg1"/>
+                </a:solidFill>
+                <a:hlinkClick r:id="rId3">
+                  <a:extLst>
+                    <a:ext uri="{A12FA001-AC4F-418D-AE19-62706E023703}">
+                      <ahyp:hlinkClr xmlns:ahyp="http://schemas.microsoft.com/office/drawing/2018/hyperlinkcolor" val="tx"/>
+                    </a:ext>
+                  </a:extLst>
+                </a:hlinkClick>
+              </a:rPr>
+              <a:t>规范</a:t>
+            </a:r>
+            <a:r>
+              <a:rPr lang="zh-CN" altLang="en-US" sz="2400" b="1" dirty="0">
+                <a:solidFill>
+                  <a:schemeClr val="bg1"/>
+                </a:solidFill>
+              </a:rPr>
+              <a:t>，这一规范得到了社区的一致认可。</a:t>
+            </a:r>
+            <a:r>
+              <a:rPr lang="en-US" altLang="zh-CN" sz="2400" b="1" dirty="0">
+                <a:solidFill>
+                  <a:schemeClr val="bg1"/>
+                </a:solidFill>
+              </a:rPr>
+              <a:t>ES6</a:t>
+            </a:r>
+            <a:r>
+              <a:rPr lang="zh-CN" altLang="en-US" sz="2400" b="1" dirty="0">
+                <a:solidFill>
+                  <a:schemeClr val="bg1"/>
+                </a:solidFill>
+              </a:rPr>
+              <a:t> 中的 </a:t>
+            </a:r>
+            <a:r>
+              <a:rPr lang="en-US" altLang="zh-CN" sz="2400" b="1" dirty="0">
+                <a:solidFill>
+                  <a:schemeClr val="bg1"/>
+                </a:solidFill>
+              </a:rPr>
+              <a:t>Promise</a:t>
+            </a:r>
+            <a:r>
+              <a:rPr lang="zh-CN" altLang="en-US" sz="2400" b="1" dirty="0">
+                <a:solidFill>
+                  <a:schemeClr val="bg1"/>
+                </a:solidFill>
+              </a:rPr>
+              <a:t> 就是基于此规范为标准实现的</a:t>
+            </a:r>
             <a:endParaRPr lang="en-US" altLang="zh-CN" sz="2400" b="1" dirty="0">
               <a:solidFill>
                 <a:schemeClr val="bg1"/>
@@ -5221,24 +5355,6 @@
             </a:endParaRPr>
           </a:p>
           <a:p>
-            <a:r>
-              <a:rPr lang="en-US" altLang="zh-CN" sz="2400" b="1" dirty="0">
-                <a:solidFill>
-                  <a:schemeClr val="bg1"/>
-                </a:solidFill>
-                <a:hlinkClick r:id="rId3"/>
-              </a:rPr>
-              <a:t>Promises/A+</a:t>
-            </a:r>
-            <a:r>
-              <a:rPr lang="zh-CN" altLang="en-US" sz="2400" b="1" dirty="0">
-                <a:solidFill>
-                  <a:schemeClr val="bg1"/>
-                </a:solidFill>
-                <a:hlinkClick r:id="rId3"/>
-              </a:rPr>
-              <a:t> 原文</a:t>
-            </a:r>
             <a:endParaRPr lang="en-US" altLang="zh-CN" sz="2400" b="1" dirty="0">
               <a:solidFill>
                 <a:schemeClr val="bg1"/>
@@ -5261,6 +5377,31 @@
                   <a:schemeClr val="bg1"/>
                 </a:solidFill>
                 <a:hlinkClick r:id="rId4"/>
+              </a:rPr>
+              <a:t> 原文</a:t>
+            </a:r>
+            <a:endParaRPr lang="en-US" altLang="zh-CN" sz="2400" b="1" dirty="0">
+              <a:solidFill>
+                <a:schemeClr val="bg1"/>
+              </a:solidFill>
+            </a:endParaRPr>
+          </a:p>
+          <a:p>
+            <a:r>
+              <a:rPr lang="en-US" altLang="zh-CN" sz="2400" b="1" dirty="0">
+                <a:solidFill>
+                  <a:schemeClr val="bg1"/>
+                </a:solidFill>
+                <a:hlinkClick r:id="rId5"/>
+              </a:rPr>
+              <a:t>Promises/A+</a:t>
+            </a:r>
+            <a:r>
+              <a:rPr lang="zh-CN" altLang="en-US" sz="2400" b="1" dirty="0">
+                <a:solidFill>
+                  <a:schemeClr val="bg1"/>
+                </a:solidFill>
+                <a:hlinkClick r:id="rId5"/>
               </a:rPr>
               <a:t> 规范（中文翻译）</a:t>
             </a:r>
@@ -5439,6 +5580,147 @@
   <p:clrMapOvr>
     <a:masterClrMapping/>
   </p:clrMapOvr>
+  <p:timing>
+    <p:tnLst>
+      <p:par>
+        <p:cTn id="1" dur="indefinite" restart="never" nodeType="tmRoot">
+          <p:childTnLst>
+            <p:seq concurrent="1" nextAc="seek">
+              <p:cTn id="2" dur="indefinite" nodeType="mainSeq">
+                <p:childTnLst>
+                  <p:par>
+                    <p:cTn id="3" fill="hold">
+                      <p:stCondLst>
+                        <p:cond delay="indefinite"/>
+                      </p:stCondLst>
+                      <p:childTnLst>
+                        <p:par>
+                          <p:cTn id="4" fill="hold">
+                            <p:stCondLst>
+                              <p:cond delay="0"/>
+                            </p:stCondLst>
+                            <p:childTnLst>
+                              <p:par>
+                                <p:cTn id="5" presetID="1" presetClass="entr" presetSubtype="0" fill="hold" nodeType="clickEffect">
+                                  <p:stCondLst>
+                                    <p:cond delay="0"/>
+                                  </p:stCondLst>
+                                  <p:childTnLst>
+                                    <p:set>
+                                      <p:cBhvr>
+                                        <p:cTn id="6" dur="1" fill="hold">
+                                          <p:stCondLst>
+                                            <p:cond delay="0"/>
+                                          </p:stCondLst>
+                                        </p:cTn>
+                                        <p:tgtEl>
+                                          <p:spTgt spid="5">
+                                            <p:txEl>
+                                              <p:pRg st="2" end="2"/>
+                                            </p:txEl>
+                                          </p:spTgt>
+                                        </p:tgtEl>
+                                        <p:attrNameLst>
+                                          <p:attrName>style.visibility</p:attrName>
+                                        </p:attrNameLst>
+                                      </p:cBhvr>
+                                      <p:to>
+                                        <p:strVal val="visible"/>
+                                      </p:to>
+                                    </p:set>
+                                  </p:childTnLst>
+                                </p:cTn>
+                              </p:par>
+                              <p:par>
+                                <p:cTn id="7" presetID="1" presetClass="entr" presetSubtype="0" fill="hold" nodeType="withEffect">
+                                  <p:stCondLst>
+                                    <p:cond delay="0"/>
+                                  </p:stCondLst>
+                                  <p:childTnLst>
+                                    <p:set>
+                                      <p:cBhvr>
+                                        <p:cTn id="8" dur="1" fill="hold">
+                                          <p:stCondLst>
+                                            <p:cond delay="0"/>
+                                          </p:stCondLst>
+                                        </p:cTn>
+                                        <p:tgtEl>
+                                          <p:spTgt spid="5">
+                                            <p:txEl>
+                                              <p:pRg st="4" end="4"/>
+                                            </p:txEl>
+                                          </p:spTgt>
+                                        </p:tgtEl>
+                                        <p:attrNameLst>
+                                          <p:attrName>style.visibility</p:attrName>
+                                        </p:attrNameLst>
+                                      </p:cBhvr>
+                                      <p:to>
+                                        <p:strVal val="visible"/>
+                                      </p:to>
+                                    </p:set>
+                                  </p:childTnLst>
+                                </p:cTn>
+                              </p:par>
+                              <p:par>
+                                <p:cTn id="9" presetID="1" presetClass="entr" presetSubtype="0" fill="hold" nodeType="withEffect">
+                                  <p:stCondLst>
+                                    <p:cond delay="0"/>
+                                  </p:stCondLst>
+                                  <p:childTnLst>
+                                    <p:set>
+                                      <p:cBhvr>
+                                        <p:cTn id="10" dur="1" fill="hold">
+                                          <p:stCondLst>
+                                            <p:cond delay="0"/>
+                                          </p:stCondLst>
+                                        </p:cTn>
+                                        <p:tgtEl>
+                                          <p:spTgt spid="5">
+                                            <p:txEl>
+                                              <p:pRg st="5" end="5"/>
+                                            </p:txEl>
+                                          </p:spTgt>
+                                        </p:tgtEl>
+                                        <p:attrNameLst>
+                                          <p:attrName>style.visibility</p:attrName>
+                                        </p:attrNameLst>
+                                      </p:cBhvr>
+                                      <p:to>
+                                        <p:strVal val="visible"/>
+                                      </p:to>
+                                    </p:set>
+                                  </p:childTnLst>
+                                </p:cTn>
+                              </p:par>
+                            </p:childTnLst>
+                          </p:cTn>
+                        </p:par>
+                      </p:childTnLst>
+                    </p:cTn>
+                  </p:par>
+                </p:childTnLst>
+              </p:cTn>
+              <p:prevCondLst>
+                <p:cond evt="onPrev" delay="0">
+                  <p:tgtEl>
+                    <p:sldTgt/>
+                  </p:tgtEl>
+                </p:cond>
+              </p:prevCondLst>
+              <p:nextCondLst>
+                <p:cond evt="onNext" delay="0">
+                  <p:tgtEl>
+                    <p:sldTgt/>
+                  </p:tgtEl>
+                </p:cond>
+              </p:nextCondLst>
+            </p:seq>
+          </p:childTnLst>
+        </p:cTn>
+      </p:par>
+    </p:tnLst>
+  </p:timing>
 </p:sld>
 </file>
 
